--- a/ietf116-netconf-yang-push-data-mesh-integration.pptx
+++ b/ietf116-netconf-yang-push-data-mesh-integration.pptx
@@ -11,10 +11,10 @@
     <p:sldId id="1041" r:id="rId2"/>
     <p:sldId id="26421" r:id="rId3"/>
     <p:sldId id="26420" r:id="rId4"/>
-    <p:sldId id="26414" r:id="rId5"/>
+    <p:sldId id="2145706226" r:id="rId5"/>
     <p:sldId id="26418" r:id="rId6"/>
     <p:sldId id="2145706224" r:id="rId7"/>
-    <p:sldId id="2145706221" r:id="rId8"/>
+    <p:sldId id="2145706227" r:id="rId8"/>
     <p:sldId id="26413" r:id="rId9"/>
     <p:sldId id="26425" r:id="rId10"/>
     <p:sldId id="2145706222" r:id="rId11"/>
@@ -5763,40 +5763,6 @@
       </p:sp>
       <p:sp>
         <p:nvSpPr>
-          <p:cNvPr id="2" name="Slide Number Placeholder 1">
-            <a:extLst>
-              <a:ext uri="{FF2B5EF4-FFF2-40B4-BE49-F238E27FC236}">
-                <a16:creationId xmlns:a16="http://schemas.microsoft.com/office/drawing/2014/main" id="{AD23057C-339A-4254-8994-8EB77B8B4163}"/>
-              </a:ext>
-            </a:extLst>
-          </p:cNvPr>
-          <p:cNvSpPr>
-            <a:spLocks noGrp="1"/>
-          </p:cNvSpPr>
-          <p:nvPr>
-            <p:ph type="sldNum" sz="quarter" idx="12"/>
-          </p:nvPr>
-        </p:nvSpPr>
-        <p:spPr>
-          <a:xfrm>
-            <a:off x="11587892" y="6361637"/>
-            <a:ext cx="414251" cy="365125"/>
-          </a:xfrm>
-        </p:spPr>
-        <p:txBody>
-          <a:bodyPr/>
-          <a:lstStyle/>
-          <a:p>
-            <a:fld id="{FC4AC485-25DE-431E-B345-9C0A15BB7F8A}" type="slidenum">
-              <a:rPr lang="de-CH" sz="2200" smtClean="0"/>
-              <a:t>1</a:t>
-            </a:fld>
-            <a:endParaRPr lang="de-CH" sz="2200" dirty="0"/>
-          </a:p>
-        </p:txBody>
-      </p:sp>
-      <p:sp>
-        <p:nvSpPr>
           <p:cNvPr id="6" name="Subtitle 4">
             <a:extLst>
               <a:ext uri="{FF2B5EF4-FFF2-40B4-BE49-F238E27FC236}">
@@ -6067,6 +6033,40 @@
           </a:p>
         </p:txBody>
       </p:sp>
+      <p:sp>
+        <p:nvSpPr>
+          <p:cNvPr id="7" name="Slide Number Placeholder 1">
+            <a:extLst>
+              <a:ext uri="{FF2B5EF4-FFF2-40B4-BE49-F238E27FC236}">
+                <a16:creationId xmlns:a16="http://schemas.microsoft.com/office/drawing/2014/main" id="{285098AC-751D-42D3-A663-DDF265EB4299}"/>
+              </a:ext>
+            </a:extLst>
+          </p:cNvPr>
+          <p:cNvSpPr>
+            <a:spLocks noGrp="1"/>
+          </p:cNvSpPr>
+          <p:nvPr>
+            <p:ph type="sldNum" sz="quarter" idx="12"/>
+          </p:nvPr>
+        </p:nvSpPr>
+        <p:spPr>
+          <a:xfrm>
+            <a:off x="11587892" y="6361637"/>
+            <a:ext cx="414251" cy="365125"/>
+          </a:xfrm>
+        </p:spPr>
+        <p:txBody>
+          <a:bodyPr/>
+          <a:lstStyle/>
+          <a:p>
+            <a:fld id="{FC4AC485-25DE-431E-B345-9C0A15BB7F8A}" type="slidenum">
+              <a:rPr lang="de-CH" sz="1400" smtClean="0"/>
+              <a:t>1</a:t>
+            </a:fld>
+            <a:endParaRPr lang="de-CH" sz="1400" dirty="0"/>
+          </a:p>
+        </p:txBody>
+      </p:sp>
     </p:spTree>
     <p:extLst>
       <p:ext uri="{BB962C8B-B14F-4D97-AF65-F5344CB8AC3E}">
@@ -6275,40 +6275,6 @@
           </a:p>
         </p:txBody>
       </p:sp>
-      <p:sp>
-        <p:nvSpPr>
-          <p:cNvPr id="16" name="Slide Number Placeholder 1">
-            <a:extLst>
-              <a:ext uri="{FF2B5EF4-FFF2-40B4-BE49-F238E27FC236}">
-                <a16:creationId xmlns:a16="http://schemas.microsoft.com/office/drawing/2014/main" id="{4D0044F8-1C12-4A59-883A-7B56B9370029}"/>
-              </a:ext>
-            </a:extLst>
-          </p:cNvPr>
-          <p:cNvSpPr>
-            <a:spLocks noGrp="1"/>
-          </p:cNvSpPr>
-          <p:nvPr>
-            <p:ph type="sldNum" sz="quarter" idx="12"/>
-          </p:nvPr>
-        </p:nvSpPr>
-        <p:spPr>
-          <a:xfrm>
-            <a:off x="11607800" y="6362700"/>
-            <a:ext cx="414338" cy="365125"/>
-          </a:xfrm>
-        </p:spPr>
-        <p:txBody>
-          <a:bodyPr/>
-          <a:lstStyle/>
-          <a:p>
-            <a:fld id="{FC4AC485-25DE-431E-B345-9C0A15BB7F8A}" type="slidenum">
-              <a:rPr lang="en-US" sz="2200" smtClean="0"/>
-              <a:t>10</a:t>
-            </a:fld>
-            <a:endParaRPr lang="en-US" sz="2200"/>
-          </a:p>
-        </p:txBody>
-      </p:sp>
       <p:pic>
         <p:nvPicPr>
           <p:cNvPr id="5" name="Picture 4">
@@ -6339,6 +6305,40 @@
           </a:prstGeom>
         </p:spPr>
       </p:pic>
+      <p:sp>
+        <p:nvSpPr>
+          <p:cNvPr id="6" name="Slide Number Placeholder 1">
+            <a:extLst>
+              <a:ext uri="{FF2B5EF4-FFF2-40B4-BE49-F238E27FC236}">
+                <a16:creationId xmlns:a16="http://schemas.microsoft.com/office/drawing/2014/main" id="{9EADC783-E047-4A8A-8A5D-A3550432EF5E}"/>
+              </a:ext>
+            </a:extLst>
+          </p:cNvPr>
+          <p:cNvSpPr>
+            <a:spLocks noGrp="1"/>
+          </p:cNvSpPr>
+          <p:nvPr>
+            <p:ph type="sldNum" sz="quarter" idx="12"/>
+          </p:nvPr>
+        </p:nvSpPr>
+        <p:spPr>
+          <a:xfrm>
+            <a:off x="11587892" y="6361637"/>
+            <a:ext cx="414251" cy="365125"/>
+          </a:xfrm>
+        </p:spPr>
+        <p:txBody>
+          <a:bodyPr/>
+          <a:lstStyle/>
+          <a:p>
+            <a:fld id="{FC4AC485-25DE-431E-B345-9C0A15BB7F8A}" type="slidenum">
+              <a:rPr lang="de-CH" sz="1400" smtClean="0"/>
+              <a:t>10</a:t>
+            </a:fld>
+            <a:endParaRPr lang="de-CH" sz="1400" dirty="0"/>
+          </a:p>
+        </p:txBody>
+      </p:sp>
     </p:spTree>
     <p:extLst>
       <p:ext uri="{BB962C8B-B14F-4D97-AF65-F5344CB8AC3E}">
@@ -6450,7 +6450,7 @@
             <a:pPr lvl="1"/>
             <a:r>
               <a:rPr lang="en-US" sz="2000" dirty="0"/>
-              <a:t>By defining a YANG module for NETCONF notification and adding hostname, sequence number, observation time, revision and revision-label into YANG push-update and Subscription State Change notification messages an </a:t>
+              <a:t>By defining a YANG module for NETCONF notification and adding hostname, publisher ID, sequence number, observation time, revision and revision-label into YANG push-update and Subscription State Change notification messages an </a:t>
             </a:r>
             <a:r>
               <a:rPr lang="en-US" sz="2000" b="1" dirty="0">
@@ -6497,40 +6497,6 @@
               <a:t>https://github.com/graf3net/draft-daisy-kafka-yang-integration/blob/main/draft-daisy-kafka-yang-integration-03.md</a:t>
             </a:r>
             <a:endParaRPr lang="en-US" sz="2000" dirty="0"/>
-          </a:p>
-        </p:txBody>
-      </p:sp>
-      <p:sp>
-        <p:nvSpPr>
-          <p:cNvPr id="16" name="Slide Number Placeholder 1">
-            <a:extLst>
-              <a:ext uri="{FF2B5EF4-FFF2-40B4-BE49-F238E27FC236}">
-                <a16:creationId xmlns:a16="http://schemas.microsoft.com/office/drawing/2014/main" id="{4D0044F8-1C12-4A59-883A-7B56B9370029}"/>
-              </a:ext>
-            </a:extLst>
-          </p:cNvPr>
-          <p:cNvSpPr>
-            <a:spLocks noGrp="1"/>
-          </p:cNvSpPr>
-          <p:nvPr>
-            <p:ph type="sldNum" sz="quarter" idx="12"/>
-          </p:nvPr>
-        </p:nvSpPr>
-        <p:spPr>
-          <a:xfrm>
-            <a:off x="11500701" y="6362700"/>
-            <a:ext cx="521437" cy="365125"/>
-          </a:xfrm>
-        </p:spPr>
-        <p:txBody>
-          <a:bodyPr/>
-          <a:lstStyle/>
-          <a:p>
-            <a:fld id="{FC4AC485-25DE-431E-B345-9C0A15BB7F8A}" type="slidenum">
-              <a:rPr lang="en-US" sz="2200" smtClean="0"/>
-              <a:t>11</a:t>
-            </a:fld>
-            <a:endParaRPr lang="en-US" sz="2200" dirty="0"/>
           </a:p>
         </p:txBody>
       </p:sp>
@@ -6879,6 +6845,40 @@
           </a:prstGeom>
         </p:spPr>
       </p:pic>
+      <p:sp>
+        <p:nvSpPr>
+          <p:cNvPr id="8" name="Slide Number Placeholder 1">
+            <a:extLst>
+              <a:ext uri="{FF2B5EF4-FFF2-40B4-BE49-F238E27FC236}">
+                <a16:creationId xmlns:a16="http://schemas.microsoft.com/office/drawing/2014/main" id="{35E9E99F-8625-457D-9359-F46A6FCF636E}"/>
+              </a:ext>
+            </a:extLst>
+          </p:cNvPr>
+          <p:cNvSpPr>
+            <a:spLocks noGrp="1"/>
+          </p:cNvSpPr>
+          <p:nvPr>
+            <p:ph type="sldNum" sz="quarter" idx="12"/>
+          </p:nvPr>
+        </p:nvSpPr>
+        <p:spPr>
+          <a:xfrm>
+            <a:off x="11587892" y="6361637"/>
+            <a:ext cx="414251" cy="365125"/>
+          </a:xfrm>
+        </p:spPr>
+        <p:txBody>
+          <a:bodyPr/>
+          <a:lstStyle/>
+          <a:p>
+            <a:fld id="{FC4AC485-25DE-431E-B345-9C0A15BB7F8A}" type="slidenum">
+              <a:rPr lang="de-CH" sz="1400" smtClean="0"/>
+              <a:t>11</a:t>
+            </a:fld>
+            <a:endParaRPr lang="de-CH" sz="1400" dirty="0"/>
+          </a:p>
+        </p:txBody>
+      </p:sp>
     </p:spTree>
     <p:extLst>
       <p:ext uri="{BB962C8B-B14F-4D97-AF65-F5344CB8AC3E}">
@@ -12337,7 +12337,7 @@
             <a:pPr lvl="1"/>
             <a:r>
               <a:rPr lang="en-US" sz="2000" dirty="0"/>
-              <a:t>Hostname and sequence numbers help us to understand </a:t>
+              <a:t>Hostname, Publisher ID and sequence numbers help us to understand </a:t>
             </a:r>
             <a:r>
               <a:rPr lang="en-US" sz="2000" b="1" dirty="0">
@@ -12396,40 +12396,6 @@
               <a:rPr lang="en-US" sz="2000" dirty="0"/>
               <a:t>changes end to end.</a:t>
             </a:r>
-          </a:p>
-        </p:txBody>
-      </p:sp>
-      <p:sp>
-        <p:nvSpPr>
-          <p:cNvPr id="16" name="Slide Number Placeholder 1">
-            <a:extLst>
-              <a:ext uri="{FF2B5EF4-FFF2-40B4-BE49-F238E27FC236}">
-                <a16:creationId xmlns:a16="http://schemas.microsoft.com/office/drawing/2014/main" id="{4D0044F8-1C12-4A59-883A-7B56B9370029}"/>
-              </a:ext>
-            </a:extLst>
-          </p:cNvPr>
-          <p:cNvSpPr>
-            <a:spLocks noGrp="1"/>
-          </p:cNvSpPr>
-          <p:nvPr>
-            <p:ph type="sldNum" sz="quarter" idx="12"/>
-          </p:nvPr>
-        </p:nvSpPr>
-        <p:spPr>
-          <a:xfrm>
-            <a:off x="11607800" y="6362700"/>
-            <a:ext cx="414338" cy="365125"/>
-          </a:xfrm>
-        </p:spPr>
-        <p:txBody>
-          <a:bodyPr/>
-          <a:lstStyle/>
-          <a:p>
-            <a:fld id="{FC4AC485-25DE-431E-B345-9C0A15BB7F8A}" type="slidenum">
-              <a:rPr lang="en-US" sz="2200" smtClean="0"/>
-              <a:t>14</a:t>
-            </a:fld>
-            <a:endParaRPr lang="en-US" sz="2200"/>
           </a:p>
         </p:txBody>
       </p:sp>
@@ -12463,6 +12429,40 @@
           </a:prstGeom>
         </p:spPr>
       </p:pic>
+      <p:sp>
+        <p:nvSpPr>
+          <p:cNvPr id="6" name="Slide Number Placeholder 1">
+            <a:extLst>
+              <a:ext uri="{FF2B5EF4-FFF2-40B4-BE49-F238E27FC236}">
+                <a16:creationId xmlns:a16="http://schemas.microsoft.com/office/drawing/2014/main" id="{3D5B38CD-DD36-4E4F-B334-4B3099EC830D}"/>
+              </a:ext>
+            </a:extLst>
+          </p:cNvPr>
+          <p:cNvSpPr>
+            <a:spLocks noGrp="1"/>
+          </p:cNvSpPr>
+          <p:nvPr>
+            <p:ph type="sldNum" sz="quarter" idx="12"/>
+          </p:nvPr>
+        </p:nvSpPr>
+        <p:spPr>
+          <a:xfrm>
+            <a:off x="11587892" y="6361637"/>
+            <a:ext cx="414251" cy="365125"/>
+          </a:xfrm>
+        </p:spPr>
+        <p:txBody>
+          <a:bodyPr/>
+          <a:lstStyle/>
+          <a:p>
+            <a:fld id="{FC4AC485-25DE-431E-B345-9C0A15BB7F8A}" type="slidenum">
+              <a:rPr lang="de-CH" sz="1400" smtClean="0"/>
+              <a:t>14</a:t>
+            </a:fld>
+            <a:endParaRPr lang="de-CH" sz="1400" dirty="0"/>
+          </a:p>
+        </p:txBody>
+      </p:sp>
     </p:spTree>
     <p:extLst>
       <p:ext uri="{BB962C8B-B14F-4D97-AF65-F5344CB8AC3E}">
@@ -12541,40 +12541,6 @@
               </a:rPr>
               <a:t>networks</a:t>
             </a:r>
-          </a:p>
-        </p:txBody>
-      </p:sp>
-      <p:sp>
-        <p:nvSpPr>
-          <p:cNvPr id="16" name="Slide Number Placeholder 1">
-            <a:extLst>
-              <a:ext uri="{FF2B5EF4-FFF2-40B4-BE49-F238E27FC236}">
-                <a16:creationId xmlns:a16="http://schemas.microsoft.com/office/drawing/2014/main" id="{4D0044F8-1C12-4A59-883A-7B56B9370029}"/>
-              </a:ext>
-            </a:extLst>
-          </p:cNvPr>
-          <p:cNvSpPr>
-            <a:spLocks noGrp="1"/>
-          </p:cNvSpPr>
-          <p:nvPr>
-            <p:ph type="sldNum" sz="quarter" idx="12"/>
-          </p:nvPr>
-        </p:nvSpPr>
-        <p:spPr>
-          <a:xfrm>
-            <a:off x="11607800" y="6362700"/>
-            <a:ext cx="414338" cy="365125"/>
-          </a:xfrm>
-        </p:spPr>
-        <p:txBody>
-          <a:bodyPr/>
-          <a:lstStyle/>
-          <a:p>
-            <a:fld id="{FC4AC485-25DE-431E-B345-9C0A15BB7F8A}" type="slidenum">
-              <a:rPr lang="en-US" sz="2200" smtClean="0"/>
-              <a:t>15</a:t>
-            </a:fld>
-            <a:endParaRPr lang="en-US" sz="2200"/>
           </a:p>
         </p:txBody>
       </p:sp>
@@ -13899,6 +13865,40 @@
           </a:p>
         </p:txBody>
       </p:sp>
+      <p:sp>
+        <p:nvSpPr>
+          <p:cNvPr id="15" name="Slide Number Placeholder 1">
+            <a:extLst>
+              <a:ext uri="{FF2B5EF4-FFF2-40B4-BE49-F238E27FC236}">
+                <a16:creationId xmlns:a16="http://schemas.microsoft.com/office/drawing/2014/main" id="{C0EE1A57-26EF-4365-BA50-EAF80900A04C}"/>
+              </a:ext>
+            </a:extLst>
+          </p:cNvPr>
+          <p:cNvSpPr>
+            <a:spLocks noGrp="1"/>
+          </p:cNvSpPr>
+          <p:nvPr>
+            <p:ph type="sldNum" sz="quarter" idx="12"/>
+          </p:nvPr>
+        </p:nvSpPr>
+        <p:spPr>
+          <a:xfrm>
+            <a:off x="11587892" y="6361637"/>
+            <a:ext cx="414251" cy="365125"/>
+          </a:xfrm>
+        </p:spPr>
+        <p:txBody>
+          <a:bodyPr/>
+          <a:lstStyle/>
+          <a:p>
+            <a:fld id="{FC4AC485-25DE-431E-B345-9C0A15BB7F8A}" type="slidenum">
+              <a:rPr lang="de-CH" sz="1400" smtClean="0"/>
+              <a:t>15</a:t>
+            </a:fld>
+            <a:endParaRPr lang="de-CH" sz="1400" dirty="0"/>
+          </a:p>
+        </p:txBody>
+      </p:sp>
     </p:spTree>
     <p:extLst>
       <p:ext uri="{BB962C8B-B14F-4D97-AF65-F5344CB8AC3E}">
@@ -14162,6 +14162,40 @@
           </a:p>
         </p:txBody>
       </p:sp>
+      <p:sp>
+        <p:nvSpPr>
+          <p:cNvPr id="6" name="Slide Number Placeholder 1">
+            <a:extLst>
+              <a:ext uri="{FF2B5EF4-FFF2-40B4-BE49-F238E27FC236}">
+                <a16:creationId xmlns:a16="http://schemas.microsoft.com/office/drawing/2014/main" id="{F737EB12-95E0-44D8-968E-78326B862682}"/>
+              </a:ext>
+            </a:extLst>
+          </p:cNvPr>
+          <p:cNvSpPr>
+            <a:spLocks noGrp="1"/>
+          </p:cNvSpPr>
+          <p:nvPr>
+            <p:ph type="sldNum" sz="quarter" idx="12"/>
+          </p:nvPr>
+        </p:nvSpPr>
+        <p:spPr>
+          <a:xfrm>
+            <a:off x="11587892" y="6361637"/>
+            <a:ext cx="414251" cy="365125"/>
+          </a:xfrm>
+        </p:spPr>
+        <p:txBody>
+          <a:bodyPr/>
+          <a:lstStyle/>
+          <a:p>
+            <a:fld id="{FC4AC485-25DE-431E-B345-9C0A15BB7F8A}" type="slidenum">
+              <a:rPr lang="de-CH" sz="1400" smtClean="0"/>
+              <a:t>16</a:t>
+            </a:fld>
+            <a:endParaRPr lang="de-CH" sz="1400" dirty="0"/>
+          </a:p>
+        </p:txBody>
+      </p:sp>
     </p:spTree>
     <p:extLst>
       <p:ext uri="{BB962C8B-B14F-4D97-AF65-F5344CB8AC3E}">
@@ -14237,40 +14271,6 @@
                 <a:srgbClr val="FF0000"/>
               </a:solidFill>
             </a:endParaRPr>
-          </a:p>
-        </p:txBody>
-      </p:sp>
-      <p:sp>
-        <p:nvSpPr>
-          <p:cNvPr id="16" name="Slide Number Placeholder 1">
-            <a:extLst>
-              <a:ext uri="{FF2B5EF4-FFF2-40B4-BE49-F238E27FC236}">
-                <a16:creationId xmlns:a16="http://schemas.microsoft.com/office/drawing/2014/main" id="{4D0044F8-1C12-4A59-883A-7B56B9370029}"/>
-              </a:ext>
-            </a:extLst>
-          </p:cNvPr>
-          <p:cNvSpPr>
-            <a:spLocks noGrp="1"/>
-          </p:cNvSpPr>
-          <p:nvPr>
-            <p:ph type="sldNum" sz="quarter" idx="12"/>
-          </p:nvPr>
-        </p:nvSpPr>
-        <p:spPr>
-          <a:xfrm>
-            <a:off x="11607800" y="6362700"/>
-            <a:ext cx="414338" cy="365125"/>
-          </a:xfrm>
-        </p:spPr>
-        <p:txBody>
-          <a:bodyPr/>
-          <a:lstStyle/>
-          <a:p>
-            <a:fld id="{FC4AC485-25DE-431E-B345-9C0A15BB7F8A}" type="slidenum">
-              <a:rPr lang="en-US" sz="2200" smtClean="0"/>
-              <a:t>17</a:t>
-            </a:fld>
-            <a:endParaRPr lang="en-US" sz="2200"/>
           </a:p>
         </p:txBody>
       </p:sp>
@@ -15337,6 +15337,40 @@
           </a:fontRef>
         </p:style>
       </p:cxnSp>
+      <p:sp>
+        <p:nvSpPr>
+          <p:cNvPr id="29" name="Slide Number Placeholder 1">
+            <a:extLst>
+              <a:ext uri="{FF2B5EF4-FFF2-40B4-BE49-F238E27FC236}">
+                <a16:creationId xmlns:a16="http://schemas.microsoft.com/office/drawing/2014/main" id="{9BDE8978-C5E4-4652-929B-870D7B143B83}"/>
+              </a:ext>
+            </a:extLst>
+          </p:cNvPr>
+          <p:cNvSpPr>
+            <a:spLocks noGrp="1"/>
+          </p:cNvSpPr>
+          <p:nvPr>
+            <p:ph type="sldNum" sz="quarter" idx="12"/>
+          </p:nvPr>
+        </p:nvSpPr>
+        <p:spPr>
+          <a:xfrm>
+            <a:off x="11587892" y="6361637"/>
+            <a:ext cx="414251" cy="365125"/>
+          </a:xfrm>
+        </p:spPr>
+        <p:txBody>
+          <a:bodyPr/>
+          <a:lstStyle/>
+          <a:p>
+            <a:fld id="{FC4AC485-25DE-431E-B345-9C0A15BB7F8A}" type="slidenum">
+              <a:rPr lang="de-CH" sz="1400" smtClean="0"/>
+              <a:t>17</a:t>
+            </a:fld>
+            <a:endParaRPr lang="de-CH" sz="1400" dirty="0"/>
+          </a:p>
+        </p:txBody>
+      </p:sp>
     </p:spTree>
     <p:extLst>
       <p:ext uri="{BB962C8B-B14F-4D97-AF65-F5344CB8AC3E}">
@@ -16134,40 +16168,6 @@
           </a:p>
         </p:txBody>
       </p:sp>
-      <p:sp>
-        <p:nvSpPr>
-          <p:cNvPr id="16" name="Slide Number Placeholder 1">
-            <a:extLst>
-              <a:ext uri="{FF2B5EF4-FFF2-40B4-BE49-F238E27FC236}">
-                <a16:creationId xmlns:a16="http://schemas.microsoft.com/office/drawing/2014/main" id="{4D0044F8-1C12-4A59-883A-7B56B9370029}"/>
-              </a:ext>
-            </a:extLst>
-          </p:cNvPr>
-          <p:cNvSpPr>
-            <a:spLocks noGrp="1"/>
-          </p:cNvSpPr>
-          <p:nvPr>
-            <p:ph type="sldNum" sz="quarter" idx="12"/>
-          </p:nvPr>
-        </p:nvSpPr>
-        <p:spPr>
-          <a:xfrm>
-            <a:off x="11607800" y="6362700"/>
-            <a:ext cx="414338" cy="365125"/>
-          </a:xfrm>
-        </p:spPr>
-        <p:txBody>
-          <a:bodyPr/>
-          <a:lstStyle/>
-          <a:p>
-            <a:fld id="{FC4AC485-25DE-431E-B345-9C0A15BB7F8A}" type="slidenum">
-              <a:rPr lang="en-US" sz="2200" smtClean="0"/>
-              <a:t>2</a:t>
-            </a:fld>
-            <a:endParaRPr lang="en-US" sz="2200"/>
-          </a:p>
-        </p:txBody>
-      </p:sp>
       <p:graphicFrame>
         <p:nvGraphicFramePr>
           <p:cNvPr id="4" name="Table 5">
@@ -16839,6 +16839,40 @@
           </a:graphicData>
         </a:graphic>
       </p:graphicFrame>
+      <p:sp>
+        <p:nvSpPr>
+          <p:cNvPr id="5" name="Slide Number Placeholder 1">
+            <a:extLst>
+              <a:ext uri="{FF2B5EF4-FFF2-40B4-BE49-F238E27FC236}">
+                <a16:creationId xmlns:a16="http://schemas.microsoft.com/office/drawing/2014/main" id="{09948F74-AF64-4858-B295-5033CDCCC017}"/>
+              </a:ext>
+            </a:extLst>
+          </p:cNvPr>
+          <p:cNvSpPr>
+            <a:spLocks noGrp="1"/>
+          </p:cNvSpPr>
+          <p:nvPr>
+            <p:ph type="sldNum" sz="quarter" idx="12"/>
+          </p:nvPr>
+        </p:nvSpPr>
+        <p:spPr>
+          <a:xfrm>
+            <a:off x="11587892" y="6361637"/>
+            <a:ext cx="414251" cy="365125"/>
+          </a:xfrm>
+        </p:spPr>
+        <p:txBody>
+          <a:bodyPr/>
+          <a:lstStyle/>
+          <a:p>
+            <a:fld id="{FC4AC485-25DE-431E-B345-9C0A15BB7F8A}" type="slidenum">
+              <a:rPr lang="de-CH" sz="1400" smtClean="0"/>
+              <a:t>2</a:t>
+            </a:fld>
+            <a:endParaRPr lang="de-CH" sz="1400" dirty="0"/>
+          </a:p>
+        </p:txBody>
+      </p:sp>
     </p:spTree>
     <p:extLst>
       <p:ext uri="{BB962C8B-B14F-4D97-AF65-F5344CB8AC3E}">
@@ -16927,40 +16961,6 @@
       </p:sp>
       <p:sp>
         <p:nvSpPr>
-          <p:cNvPr id="16" name="Slide Number Placeholder 1">
-            <a:extLst>
-              <a:ext uri="{FF2B5EF4-FFF2-40B4-BE49-F238E27FC236}">
-                <a16:creationId xmlns:a16="http://schemas.microsoft.com/office/drawing/2014/main" id="{4D0044F8-1C12-4A59-883A-7B56B9370029}"/>
-              </a:ext>
-            </a:extLst>
-          </p:cNvPr>
-          <p:cNvSpPr>
-            <a:spLocks noGrp="1"/>
-          </p:cNvSpPr>
-          <p:nvPr>
-            <p:ph type="sldNum" sz="quarter" idx="12"/>
-          </p:nvPr>
-        </p:nvSpPr>
-        <p:spPr>
-          <a:xfrm>
-            <a:off x="11607800" y="6362700"/>
-            <a:ext cx="414338" cy="365125"/>
-          </a:xfrm>
-        </p:spPr>
-        <p:txBody>
-          <a:bodyPr/>
-          <a:lstStyle/>
-          <a:p>
-            <a:fld id="{FC4AC485-25DE-431E-B345-9C0A15BB7F8A}" type="slidenum">
-              <a:rPr lang="en-US" sz="2200" smtClean="0"/>
-              <a:t>3</a:t>
-            </a:fld>
-            <a:endParaRPr lang="en-US" sz="2200"/>
-          </a:p>
-        </p:txBody>
-      </p:sp>
-      <p:sp>
-        <p:nvSpPr>
           <p:cNvPr id="17" name="Rectangle 16">
             <a:extLst>
               <a:ext uri="{FF2B5EF4-FFF2-40B4-BE49-F238E27FC236}">
@@ -17122,6 +17122,40 @@
           </a:prstGeom>
         </p:spPr>
       </p:pic>
+      <p:sp>
+        <p:nvSpPr>
+          <p:cNvPr id="7" name="Slide Number Placeholder 1">
+            <a:extLst>
+              <a:ext uri="{FF2B5EF4-FFF2-40B4-BE49-F238E27FC236}">
+                <a16:creationId xmlns:a16="http://schemas.microsoft.com/office/drawing/2014/main" id="{6B375589-9528-45C8-8528-98301E39B60C}"/>
+              </a:ext>
+            </a:extLst>
+          </p:cNvPr>
+          <p:cNvSpPr>
+            <a:spLocks noGrp="1"/>
+          </p:cNvSpPr>
+          <p:nvPr>
+            <p:ph type="sldNum" sz="quarter" idx="12"/>
+          </p:nvPr>
+        </p:nvSpPr>
+        <p:spPr>
+          <a:xfrm>
+            <a:off x="11587892" y="6361637"/>
+            <a:ext cx="414251" cy="365125"/>
+          </a:xfrm>
+        </p:spPr>
+        <p:txBody>
+          <a:bodyPr/>
+          <a:lstStyle/>
+          <a:p>
+            <a:fld id="{FC4AC485-25DE-431E-B345-9C0A15BB7F8A}" type="slidenum">
+              <a:rPr lang="de-CH" sz="1400" smtClean="0"/>
+              <a:t>3</a:t>
+            </a:fld>
+            <a:endParaRPr lang="de-CH" sz="1400" dirty="0"/>
+          </a:p>
+        </p:txBody>
+      </p:sp>
     </p:spTree>
     <p:extLst>
       <p:ext uri="{BB962C8B-B14F-4D97-AF65-F5344CB8AC3E}">
@@ -17200,13 +17234,13 @@
         </p:nvSpPr>
         <p:spPr>
           <a:xfrm>
-            <a:off x="8012784" y="856211"/>
-            <a:ext cx="3949831" cy="5752406"/>
+            <a:off x="8012784" y="133004"/>
+            <a:ext cx="3949831" cy="6475613"/>
           </a:xfrm>
         </p:spPr>
         <p:txBody>
           <a:bodyPr>
-            <a:normAutofit fontScale="85000" lnSpcReduction="10000"/>
+            <a:noAutofit/>
           </a:bodyPr>
           <a:lstStyle/>
           <a:p>
@@ -17219,23 +17253,23 @@
               </a:spcAft>
             </a:pPr>
             <a:r>
-              <a:rPr lang="en-US" sz="1900" b="1" dirty="0"/>
+              <a:rPr lang="en-US" sz="1600" b="1" dirty="0"/>
               <a:t>Data Mesh </a:t>
             </a:r>
             <a:r>
-              <a:rPr lang="en-US" sz="1900" dirty="0"/>
+              <a:rPr lang="en-US" sz="1600" dirty="0"/>
               <a:t>is a big data architecture where different domains can exchange data with a </a:t>
             </a:r>
             <a:r>
-              <a:rPr lang="en-US" sz="1900" b="1" dirty="0"/>
+              <a:rPr lang="en-US" sz="1600" b="1" dirty="0"/>
               <a:t>bounded context and SLO's </a:t>
             </a:r>
             <a:r>
-              <a:rPr lang="en-US" sz="1900" dirty="0"/>
+              <a:rPr lang="en-US" sz="1600" dirty="0"/>
               <a:t>are defined in Data Products. </a:t>
             </a:r>
             <a:r>
-              <a:rPr lang="en-US" sz="1900" b="1" dirty="0"/>
+              <a:rPr lang="en-US" sz="1600" b="1" dirty="0"/>
               <a:t>Same principle as in networks.</a:t>
             </a:r>
           </a:p>
@@ -17251,19 +17285,19 @@
               <a:buChar char="•"/>
             </a:pPr>
             <a:r>
-              <a:rPr lang="en-US" sz="1900" b="1" dirty="0"/>
+              <a:rPr lang="en-US" sz="1600" b="1" dirty="0"/>
               <a:t>Semantics</a:t>
             </a:r>
             <a:r>
-              <a:rPr lang="en-US" sz="1900" dirty="0"/>
+              <a:rPr lang="en-US" sz="1600" dirty="0"/>
               <a:t> are needed to describe the data. </a:t>
             </a:r>
             <a:r>
-              <a:rPr lang="en-US" sz="1900" b="1" dirty="0"/>
+              <a:rPr lang="en-US" sz="1600" b="1" dirty="0"/>
               <a:t>A gauge32 is not the same as counter32. </a:t>
             </a:r>
             <a:r>
-              <a:rPr lang="en-US" sz="1900" dirty="0"/>
+              <a:rPr lang="en-US" sz="1600" dirty="0"/>
               <a:t>Values can increase or decrease. Needs monotonic increasing counter normalization or not.</a:t>
             </a:r>
           </a:p>
@@ -17277,23 +17311,23 @@
               </a:spcAft>
             </a:pPr>
             <a:r>
-              <a:rPr lang="en-US" sz="1900" b="1" dirty="0"/>
+              <a:rPr lang="en-US" sz="1600" b="1" dirty="0"/>
               <a:t>Versioning </a:t>
             </a:r>
             <a:r>
-              <a:rPr lang="en-US" sz="1900" dirty="0"/>
+              <a:rPr lang="en-US" sz="1600" dirty="0"/>
               <a:t>is needed to</a:t>
             </a:r>
             <a:r>
-              <a:rPr lang="en-US" sz="1900" b="1" dirty="0"/>
+              <a:rPr lang="en-US" sz="1600" b="1" dirty="0"/>
               <a:t> </a:t>
             </a:r>
             <a:r>
-              <a:rPr lang="en-US" sz="1900" dirty="0"/>
+              <a:rPr lang="en-US" sz="1600" dirty="0"/>
               <a:t>not only understand that the semantic has changed, but also wherever the new semantic is backward compatible or not. </a:t>
             </a:r>
             <a:r>
-              <a:rPr lang="en-US" sz="1900" b="1" dirty="0"/>
+              <a:rPr lang="en-US" sz="1600" b="1" dirty="0"/>
               <a:t>Preventing to break the data processing pipeline.</a:t>
             </a:r>
           </a:p>
@@ -17307,15 +17341,15 @@
               </a:spcAft>
             </a:pPr>
             <a:r>
-              <a:rPr lang="en-US" sz="1900" b="1" dirty="0"/>
-              <a:t>Hostname, sequence numbers and observation timestamping </a:t>
-            </a:r>
-            <a:r>
-              <a:rPr lang="en-US" sz="1900" dirty="0"/>
+              <a:rPr lang="en-US" sz="1600" b="1" dirty="0"/>
+              <a:t>Hostname, publisher ID, sequence numbers and observation timestamping </a:t>
+            </a:r>
+            <a:r>
+              <a:rPr lang="en-US" sz="1600" dirty="0"/>
               <a:t>are needed to </a:t>
             </a:r>
             <a:r>
-              <a:rPr lang="en-US" sz="1900" b="1" dirty="0"/>
+              <a:rPr lang="en-US" sz="1600" b="1" dirty="0"/>
               <a:t>measure loss and delay for SLO's.</a:t>
             </a:r>
           </a:p>
@@ -17331,19 +17365,19 @@
               <a:buChar char="•"/>
             </a:pPr>
             <a:r>
-              <a:rPr lang="en-US" sz="1900" b="1" dirty="0"/>
+              <a:rPr lang="en-US" sz="1600" b="1" dirty="0"/>
               <a:t>YANG push as defined in RFC8641 is missing </a:t>
             </a:r>
             <a:r>
-              <a:rPr lang="en-US" sz="1900" dirty="0"/>
+              <a:rPr lang="en-US" sz="1600" dirty="0"/>
               <a:t>hostname, sequence numbers, observation timestamping and versioning</a:t>
             </a:r>
             <a:r>
-              <a:rPr lang="en-US" sz="1900" b="1" dirty="0"/>
+              <a:rPr lang="en-US" sz="1600" b="1" dirty="0"/>
               <a:t>. </a:t>
             </a:r>
             <a:r>
-              <a:rPr lang="en-US" sz="1900" dirty="0">
+              <a:rPr lang="en-US" sz="1600" dirty="0">
                 <a:solidFill>
                   <a:srgbClr val="FF0000"/>
                 </a:solidFill>
@@ -17351,7 +17385,7 @@
               <a:t>draft-</a:t>
             </a:r>
             <a:r>
-              <a:rPr lang="en-US" sz="1900" dirty="0" err="1">
+              <a:rPr lang="en-US" sz="1600" dirty="0" err="1">
                 <a:solidFill>
                   <a:srgbClr val="FF0000"/>
                 </a:solidFill>
@@ -17359,7 +17393,7 @@
               <a:t>ahuang</a:t>
             </a:r>
             <a:r>
-              <a:rPr lang="en-US" sz="1900" dirty="0">
+              <a:rPr lang="en-US" sz="1600" dirty="0">
                 <a:solidFill>
                   <a:srgbClr val="FF0000"/>
                 </a:solidFill>
@@ -17367,7 +17401,7 @@
               <a:t>-netconf-</a:t>
             </a:r>
             <a:r>
-              <a:rPr lang="en-US" sz="1900" dirty="0" err="1">
+              <a:rPr lang="en-US" sz="1600" dirty="0" err="1">
                 <a:solidFill>
                   <a:srgbClr val="FF0000"/>
                 </a:solidFill>
@@ -17375,7 +17409,7 @@
               <a:t>notif</a:t>
             </a:r>
             <a:r>
-              <a:rPr lang="en-US" sz="1900" dirty="0">
+              <a:rPr lang="en-US" sz="1600" dirty="0">
                 <a:solidFill>
                   <a:srgbClr val="FF0000"/>
                 </a:solidFill>
@@ -17383,7 +17417,7 @@
               <a:t>-yang, draft-</a:t>
             </a:r>
             <a:r>
-              <a:rPr lang="en-US" sz="1900" dirty="0" err="1">
+              <a:rPr lang="en-US" sz="1600" dirty="0" err="1">
                 <a:solidFill>
                   <a:srgbClr val="FF0000"/>
                 </a:solidFill>
@@ -17391,7 +17425,7 @@
               <a:t>tgraf</a:t>
             </a:r>
             <a:r>
-              <a:rPr lang="en-US" sz="1900" dirty="0">
+              <a:rPr lang="en-US" sz="1600" dirty="0">
                 <a:solidFill>
                   <a:srgbClr val="FF0000"/>
                 </a:solidFill>
@@ -17399,7 +17433,7 @@
               <a:t>-netconf-</a:t>
             </a:r>
             <a:r>
-              <a:rPr lang="en-US" sz="1900" dirty="0" err="1">
+              <a:rPr lang="en-US" sz="1600" dirty="0" err="1">
                 <a:solidFill>
                   <a:srgbClr val="FF0000"/>
                 </a:solidFill>
@@ -17407,7 +17441,7 @@
               <a:t>notif</a:t>
             </a:r>
             <a:r>
-              <a:rPr lang="en-US" sz="1900" dirty="0">
+              <a:rPr lang="en-US" sz="1600" dirty="0">
                 <a:solidFill>
                   <a:srgbClr val="FF0000"/>
                 </a:solidFill>
@@ -17415,7 +17449,7 @@
               <a:t>-sequencing, draft-</a:t>
             </a:r>
             <a:r>
-              <a:rPr lang="en-US" sz="1900" dirty="0" err="1">
+              <a:rPr lang="en-US" sz="1600" dirty="0" err="1">
                 <a:solidFill>
                   <a:srgbClr val="FF0000"/>
                 </a:solidFill>
@@ -17423,7 +17457,7 @@
               <a:t>tgraf</a:t>
             </a:r>
             <a:r>
-              <a:rPr lang="en-US" sz="1900" dirty="0">
+              <a:rPr lang="en-US" sz="1600" dirty="0">
                 <a:solidFill>
                   <a:srgbClr val="FF0000"/>
                 </a:solidFill>
@@ -17431,7 +17465,7 @@
               <a:t>-yang-push-observation-time and draft-</a:t>
             </a:r>
             <a:r>
-              <a:rPr lang="en-US" sz="1900" dirty="0" err="1">
+              <a:rPr lang="en-US" sz="1600" dirty="0" err="1">
                 <a:solidFill>
                   <a:srgbClr val="FF0000"/>
                 </a:solidFill>
@@ -17439,7 +17473,7 @@
               <a:t>tgraf</a:t>
             </a:r>
             <a:r>
-              <a:rPr lang="en-US" sz="1900" dirty="0">
+              <a:rPr lang="en-US" sz="1600" dirty="0">
                 <a:solidFill>
                   <a:srgbClr val="FF0000"/>
                 </a:solidFill>
@@ -17447,22 +17481,9 @@
               <a:t>-netconf-yang-notifications-versioning</a:t>
             </a:r>
             <a:r>
-              <a:rPr lang="en-US" sz="1900" dirty="0"/>
+              <a:rPr lang="en-US" sz="1600" dirty="0"/>
               <a:t> addresses this.</a:t>
             </a:r>
-          </a:p>
-          <a:p>
-            <a:pPr marL="285750" indent="-285750">
-              <a:spcBef>
-                <a:spcPts val="300"/>
-              </a:spcBef>
-              <a:spcAft>
-                <a:spcPts val="300"/>
-              </a:spcAft>
-              <a:buFont typeface="Arial" panose="020B0604020202020204" pitchFamily="34" charset="0"/>
-              <a:buChar char="•"/>
-            </a:pPr>
-            <a:endParaRPr lang="en-US" sz="1700" b="1" dirty="0"/>
           </a:p>
         </p:txBody>
       </p:sp>
@@ -17607,7 +17628,7 @@
     </p:spTree>
     <p:extLst>
       <p:ext uri="{BB962C8B-B14F-4D97-AF65-F5344CB8AC3E}">
-        <p14:creationId xmlns:p14="http://schemas.microsoft.com/office/powerpoint/2010/main" val="731853391"/>
+        <p14:creationId xmlns:p14="http://schemas.microsoft.com/office/powerpoint/2010/main" val="3188824003"/>
       </p:ext>
     </p:extLst>
   </p:cSld>
@@ -17950,40 +17971,6 @@
       </p:sp>
       <p:sp>
         <p:nvSpPr>
-          <p:cNvPr id="16" name="Slide Number Placeholder 1">
-            <a:extLst>
-              <a:ext uri="{FF2B5EF4-FFF2-40B4-BE49-F238E27FC236}">
-                <a16:creationId xmlns:a16="http://schemas.microsoft.com/office/drawing/2014/main" id="{4D0044F8-1C12-4A59-883A-7B56B9370029}"/>
-              </a:ext>
-            </a:extLst>
-          </p:cNvPr>
-          <p:cNvSpPr>
-            <a:spLocks noGrp="1"/>
-          </p:cNvSpPr>
-          <p:nvPr>
-            <p:ph type="sldNum" sz="quarter" idx="12"/>
-          </p:nvPr>
-        </p:nvSpPr>
-        <p:spPr>
-          <a:xfrm>
-            <a:off x="11607800" y="6362700"/>
-            <a:ext cx="414338" cy="365125"/>
-          </a:xfrm>
-        </p:spPr>
-        <p:txBody>
-          <a:bodyPr/>
-          <a:lstStyle/>
-          <a:p>
-            <a:fld id="{FC4AC485-25DE-431E-B345-9C0A15BB7F8A}" type="slidenum">
-              <a:rPr lang="en-US" sz="2200" smtClean="0"/>
-              <a:t>5</a:t>
-            </a:fld>
-            <a:endParaRPr lang="en-US" sz="2200"/>
-          </a:p>
-        </p:txBody>
-      </p:sp>
-      <p:sp>
-        <p:nvSpPr>
           <p:cNvPr id="11" name="TextBox 10">
             <a:extLst>
               <a:ext uri="{FF2B5EF4-FFF2-40B4-BE49-F238E27FC236}">
@@ -18550,6 +18537,40 @@
               <a:ea typeface="Calibri" panose="020F0502020204030204" pitchFamily="34" charset="0"/>
               <a:cs typeface="Times New Roman" panose="02020603050405020304" pitchFamily="18" charset="0"/>
             </a:endParaRPr>
+          </a:p>
+        </p:txBody>
+      </p:sp>
+      <p:sp>
+        <p:nvSpPr>
+          <p:cNvPr id="7" name="Slide Number Placeholder 1">
+            <a:extLst>
+              <a:ext uri="{FF2B5EF4-FFF2-40B4-BE49-F238E27FC236}">
+                <a16:creationId xmlns:a16="http://schemas.microsoft.com/office/drawing/2014/main" id="{C79FDBCE-54EE-4F66-8BAF-95EB4A604D65}"/>
+              </a:ext>
+            </a:extLst>
+          </p:cNvPr>
+          <p:cNvSpPr>
+            <a:spLocks noGrp="1"/>
+          </p:cNvSpPr>
+          <p:nvPr>
+            <p:ph type="sldNum" sz="quarter" idx="12"/>
+          </p:nvPr>
+        </p:nvSpPr>
+        <p:spPr>
+          <a:xfrm>
+            <a:off x="11587892" y="6361637"/>
+            <a:ext cx="414251" cy="365125"/>
+          </a:xfrm>
+        </p:spPr>
+        <p:txBody>
+          <a:bodyPr/>
+          <a:lstStyle/>
+          <a:p>
+            <a:fld id="{FC4AC485-25DE-431E-B345-9C0A15BB7F8A}" type="slidenum">
+              <a:rPr lang="de-CH" sz="1400" smtClean="0"/>
+              <a:t>5</a:t>
+            </a:fld>
+            <a:endParaRPr lang="de-CH" sz="1400" dirty="0"/>
           </a:p>
         </p:txBody>
       </p:sp>
@@ -18711,40 +18732,6 @@
           </a:p>
         </p:txBody>
       </p:sp>
-      <p:sp>
-        <p:nvSpPr>
-          <p:cNvPr id="16" name="Slide Number Placeholder 1">
-            <a:extLst>
-              <a:ext uri="{FF2B5EF4-FFF2-40B4-BE49-F238E27FC236}">
-                <a16:creationId xmlns:a16="http://schemas.microsoft.com/office/drawing/2014/main" id="{4D0044F8-1C12-4A59-883A-7B56B9370029}"/>
-              </a:ext>
-            </a:extLst>
-          </p:cNvPr>
-          <p:cNvSpPr>
-            <a:spLocks noGrp="1"/>
-          </p:cNvSpPr>
-          <p:nvPr>
-            <p:ph type="sldNum" sz="quarter" idx="12"/>
-          </p:nvPr>
-        </p:nvSpPr>
-        <p:spPr>
-          <a:xfrm>
-            <a:off x="11607800" y="6362700"/>
-            <a:ext cx="414338" cy="365125"/>
-          </a:xfrm>
-        </p:spPr>
-        <p:txBody>
-          <a:bodyPr/>
-          <a:lstStyle/>
-          <a:p>
-            <a:fld id="{FC4AC485-25DE-431E-B345-9C0A15BB7F8A}" type="slidenum">
-              <a:rPr lang="en-US" sz="2200" smtClean="0"/>
-              <a:t>6</a:t>
-            </a:fld>
-            <a:endParaRPr lang="en-US" sz="2200"/>
-          </a:p>
-        </p:txBody>
-      </p:sp>
       <p:pic>
         <p:nvPicPr>
           <p:cNvPr id="5" name="Picture 4">
@@ -18775,6 +18762,40 @@
           </a:prstGeom>
         </p:spPr>
       </p:pic>
+      <p:sp>
+        <p:nvSpPr>
+          <p:cNvPr id="6" name="Slide Number Placeholder 1">
+            <a:extLst>
+              <a:ext uri="{FF2B5EF4-FFF2-40B4-BE49-F238E27FC236}">
+                <a16:creationId xmlns:a16="http://schemas.microsoft.com/office/drawing/2014/main" id="{DB726197-D4B6-44A1-A1B1-B64202045421}"/>
+              </a:ext>
+            </a:extLst>
+          </p:cNvPr>
+          <p:cNvSpPr>
+            <a:spLocks noGrp="1"/>
+          </p:cNvSpPr>
+          <p:nvPr>
+            <p:ph type="sldNum" sz="quarter" idx="12"/>
+          </p:nvPr>
+        </p:nvSpPr>
+        <p:spPr>
+          <a:xfrm>
+            <a:off x="11587892" y="6361637"/>
+            <a:ext cx="414251" cy="365125"/>
+          </a:xfrm>
+        </p:spPr>
+        <p:txBody>
+          <a:bodyPr/>
+          <a:lstStyle/>
+          <a:p>
+            <a:fld id="{FC4AC485-25DE-431E-B345-9C0A15BB7F8A}" type="slidenum">
+              <a:rPr lang="de-CH" sz="1400" smtClean="0"/>
+              <a:t>6</a:t>
+            </a:fld>
+            <a:endParaRPr lang="de-CH" sz="1400" dirty="0"/>
+          </a:p>
+        </p:txBody>
+      </p:sp>
     </p:spTree>
     <p:extLst>
       <p:ext uri="{BB962C8B-B14F-4D97-AF65-F5344CB8AC3E}">
@@ -18819,8 +18840,8 @@
         </p:nvSpPr>
         <p:spPr>
           <a:xfrm>
-            <a:off x="838200" y="1750185"/>
-            <a:ext cx="4656513" cy="830868"/>
+            <a:off x="838200" y="1544102"/>
+            <a:ext cx="4656513" cy="979051"/>
           </a:xfrm>
           <a:prstGeom prst="rect">
             <a:avLst/>
@@ -18978,6 +18999,49 @@
                 <a:cs typeface="Courier New" panose="02070309020205020404" pitchFamily="49" charset="0"/>
               </a:rPr>
               <a:t>inet:host</a:t>
+            </a:r>
+            <a:endParaRPr lang="en-US" sz="900" dirty="0">
+              <a:effectLst/>
+              <a:latin typeface="Courier New" panose="02070309020205020404" pitchFamily="49" charset="0"/>
+              <a:ea typeface="Calibri" panose="020F0502020204030204" pitchFamily="34" charset="0"/>
+              <a:cs typeface="Courier New" panose="02070309020205020404" pitchFamily="49" charset="0"/>
+            </a:endParaRPr>
+          </a:p>
+          <a:p>
+            <a:pPr marL="0" marR="0">
+              <a:lnSpc>
+                <a:spcPct val="107000"/>
+              </a:lnSpc>
+              <a:spcBef>
+                <a:spcPts val="0"/>
+              </a:spcBef>
+              <a:spcAft>
+                <a:spcPts val="0"/>
+              </a:spcAft>
+            </a:pPr>
+            <a:r>
+              <a:rPr lang="en-US" sz="900" dirty="0">
+                <a:latin typeface="Courier New" panose="02070309020205020404" pitchFamily="49" charset="0"/>
+                <a:ea typeface="Calibri" panose="020F0502020204030204" pitchFamily="34" charset="0"/>
+                <a:cs typeface="Courier New" panose="02070309020205020404" pitchFamily="49" charset="0"/>
+              </a:rPr>
+              <a:t>    +-- </a:t>
+            </a:r>
+            <a:r>
+              <a:rPr lang="en-US" sz="900" dirty="0" err="1">
+                <a:latin typeface="Courier New" panose="02070309020205020404" pitchFamily="49" charset="0"/>
+                <a:ea typeface="Calibri" panose="020F0502020204030204" pitchFamily="34" charset="0"/>
+                <a:cs typeface="Courier New" panose="02070309020205020404" pitchFamily="49" charset="0"/>
+              </a:rPr>
+              <a:t>publisherId</a:t>
+            </a:r>
+            <a:r>
+              <a:rPr lang="en-US" sz="900" dirty="0">
+                <a:latin typeface="Courier New" panose="02070309020205020404" pitchFamily="49" charset="0"/>
+                <a:ea typeface="Calibri" panose="020F0502020204030204" pitchFamily="34" charset="0"/>
+                <a:cs typeface="Courier New" panose="02070309020205020404" pitchFamily="49" charset="0"/>
+              </a:rPr>
+              <a:t>       yang:gauge32</a:t>
             </a:r>
             <a:endParaRPr lang="en-US" sz="900" dirty="0">
               <a:effectLst/>
@@ -19108,8 +19172,8 @@
         </p:nvSpPr>
         <p:spPr>
           <a:xfrm>
-            <a:off x="5494713" y="1820487"/>
-            <a:ext cx="6190013" cy="4547064"/>
+            <a:off x="5494713" y="1544102"/>
+            <a:ext cx="6190013" cy="4823449"/>
           </a:xfrm>
         </p:spPr>
         <p:txBody>
@@ -19119,29 +19183,29 @@
           <a:lstStyle/>
           <a:p>
             <a:r>
-              <a:rPr lang="en-US" sz="1800" dirty="0"/>
+              <a:rPr lang="en-US" sz="1700" dirty="0"/>
               <a:t>When the </a:t>
             </a:r>
             <a:r>
-              <a:rPr lang="en-US" sz="1800" b="1" dirty="0"/>
+              <a:rPr lang="en-US" sz="1700" b="1" dirty="0"/>
               <a:t>NETCONF event notification message is forwarded from the YANG push receiver to another system</a:t>
             </a:r>
             <a:r>
-              <a:rPr lang="en-US" sz="1800" dirty="0"/>
+              <a:rPr lang="en-US" sz="1700" dirty="0"/>
               <a:t>, such as a messaging system or a time series database where the message is stored, the </a:t>
             </a:r>
             <a:r>
-              <a:rPr lang="en-US" sz="1800" b="1" dirty="0"/>
+              <a:rPr lang="en-US" sz="1700" b="1" dirty="0"/>
               <a:t>transport context is lost since it is not part of the NETCONF event notification message metadata. </a:t>
             </a:r>
             <a:r>
-              <a:rPr lang="en-US" sz="1800" dirty="0"/>
+              <a:rPr lang="en-US" sz="1700" dirty="0"/>
               <a:t>Therefore, the downstream system is unable to associate the message to the publishing process (the exporting router), nor able to detect message loss or reordering. </a:t>
             </a:r>
           </a:p>
           <a:p>
             <a:r>
-              <a:rPr lang="en-US" sz="1800" b="1" dirty="0">
+              <a:rPr lang="en-US" sz="1700" b="1" dirty="0">
                 <a:solidFill>
                   <a:srgbClr val="FF0000"/>
                 </a:solidFill>
@@ -19149,7 +19213,7 @@
               <a:t>draft-</a:t>
             </a:r>
             <a:r>
-              <a:rPr lang="en-US" sz="1800" b="1" dirty="0" err="1">
+              <a:rPr lang="en-US" sz="1700" b="1" dirty="0" err="1">
                 <a:solidFill>
                   <a:srgbClr val="FF0000"/>
                 </a:solidFill>
@@ -19157,7 +19221,7 @@
               <a:t>tgraf</a:t>
             </a:r>
             <a:r>
-              <a:rPr lang="en-US" sz="1800" b="1" dirty="0">
+              <a:rPr lang="en-US" sz="1700" b="1" dirty="0">
                 <a:solidFill>
                   <a:srgbClr val="FF0000"/>
                 </a:solidFill>
@@ -19165,7 +19229,7 @@
               <a:t>-netconf-</a:t>
             </a:r>
             <a:r>
-              <a:rPr lang="en-US" sz="1800" b="1" dirty="0" err="1">
+              <a:rPr lang="en-US" sz="1700" b="1" dirty="0" err="1">
                 <a:solidFill>
                   <a:srgbClr val="FF0000"/>
                 </a:solidFill>
@@ -19173,7 +19237,7 @@
               <a:t>notif</a:t>
             </a:r>
             <a:r>
-              <a:rPr lang="en-US" sz="1800" b="1" dirty="0">
+              <a:rPr lang="en-US" sz="1700" b="1" dirty="0">
                 <a:solidFill>
                   <a:srgbClr val="FF0000"/>
                 </a:solidFill>
@@ -19181,90 +19245,82 @@
               <a:t>-sequencing</a:t>
             </a:r>
             <a:r>
-              <a:rPr lang="en-US" sz="1800" dirty="0"/>
+              <a:rPr lang="en-US" sz="1700" dirty="0"/>
               <a:t> extends the NETCONF notification defined in </a:t>
             </a:r>
             <a:r>
-              <a:rPr lang="de-CH" sz="1800" dirty="0"/>
+              <a:rPr lang="de-CH" sz="1700" dirty="0"/>
               <a:t>RFC5277</a:t>
             </a:r>
             <a:r>
-              <a:rPr lang="en-US" sz="1800" dirty="0"/>
+              <a:rPr lang="en-US" sz="1700" dirty="0"/>
               <a:t> with:</a:t>
             </a:r>
           </a:p>
           <a:p>
             <a:pPr lvl="1"/>
             <a:r>
-              <a:rPr lang="en-US" sz="1800" b="1" dirty="0" err="1"/>
+              <a:rPr lang="en-US" sz="1700" b="1" dirty="0" err="1"/>
               <a:t>sysName</a:t>
             </a:r>
             <a:r>
-              <a:rPr lang="en-US" sz="1800" b="1" dirty="0"/>
+              <a:rPr lang="en-US" sz="1700" b="1" dirty="0"/>
               <a:t>:  </a:t>
             </a:r>
             <a:r>
-              <a:rPr lang="en-US" sz="1800" dirty="0"/>
+              <a:rPr lang="en-US" sz="1700" dirty="0"/>
               <a:t>Describes the hostname following the '</a:t>
             </a:r>
             <a:r>
-              <a:rPr lang="en-US" sz="1800" dirty="0" err="1"/>
+              <a:rPr lang="en-US" sz="1700" dirty="0" err="1"/>
               <a:t>sysName</a:t>
             </a:r>
             <a:r>
-              <a:rPr lang="en-US" sz="1800" dirty="0"/>
+              <a:rPr lang="en-US" sz="1700" dirty="0"/>
               <a:t>' object definition in RFC1213 from where the message was published from.</a:t>
             </a:r>
           </a:p>
           <a:p>
             <a:pPr lvl="1"/>
             <a:r>
-              <a:rPr lang="en-US" sz="1800" b="1" dirty="0" err="1"/>
+              <a:rPr lang="en-US" sz="1700" b="1" dirty="0" err="1"/>
+              <a:t>publisherId</a:t>
+            </a:r>
+            <a:r>
+              <a:rPr lang="en-US" sz="1700" b="1" dirty="0"/>
+              <a:t>:  </a:t>
+            </a:r>
+            <a:r>
+              <a:rPr lang="en-US" sz="1700" dirty="0" err="1"/>
+              <a:t>netconf</a:t>
+            </a:r>
+            <a:r>
+              <a:rPr lang="en-US" sz="1700" dirty="0"/>
+              <a:t>-distributed-</a:t>
+            </a:r>
+            <a:r>
+              <a:rPr lang="en-US" sz="1700" dirty="0" err="1"/>
+              <a:t>notif</a:t>
+            </a:r>
+            <a:r>
+              <a:rPr lang="en-US" sz="1700" dirty="0"/>
+              <a:t> describes the      ability to publish from network processors directly.  With this identifier the publishing process from where the message was published from can be uniquely identified.</a:t>
+            </a:r>
+          </a:p>
+          <a:p>
+            <a:pPr lvl="1"/>
+            <a:r>
+              <a:rPr lang="en-US" sz="1700" b="1" dirty="0" err="1"/>
               <a:t>sequenceNumber</a:t>
             </a:r>
             <a:r>
-              <a:rPr lang="en-US" sz="1800" b="1" dirty="0"/>
+              <a:rPr lang="en-US" sz="1700" b="1" dirty="0"/>
               <a:t>:  </a:t>
             </a:r>
             <a:r>
-              <a:rPr lang="en-US" sz="1800" dirty="0"/>
+              <a:rPr lang="en-US" sz="1700" dirty="0"/>
               <a:t>Generates a unique sequence number as described in RFC9187 for each published message.</a:t>
             </a:r>
-            <a:endParaRPr lang="en-US" sz="2000" dirty="0"/>
-          </a:p>
-        </p:txBody>
-      </p:sp>
-      <p:sp>
-        <p:nvSpPr>
-          <p:cNvPr id="16" name="Slide Number Placeholder 1">
-            <a:extLst>
-              <a:ext uri="{FF2B5EF4-FFF2-40B4-BE49-F238E27FC236}">
-                <a16:creationId xmlns:a16="http://schemas.microsoft.com/office/drawing/2014/main" id="{4D0044F8-1C12-4A59-883A-7B56B9370029}"/>
-              </a:ext>
-            </a:extLst>
-          </p:cNvPr>
-          <p:cNvSpPr>
-            <a:spLocks noGrp="1"/>
-          </p:cNvSpPr>
-          <p:nvPr>
-            <p:ph type="sldNum" sz="quarter" idx="12"/>
-          </p:nvPr>
-        </p:nvSpPr>
-        <p:spPr>
-          <a:xfrm>
-            <a:off x="11607800" y="6362700"/>
-            <a:ext cx="414338" cy="365125"/>
-          </a:xfrm>
-        </p:spPr>
-        <p:txBody>
-          <a:bodyPr/>
-          <a:lstStyle/>
-          <a:p>
-            <a:fld id="{FC4AC485-25DE-431E-B345-9C0A15BB7F8A}" type="slidenum">
-              <a:rPr lang="en-US" sz="2200" smtClean="0"/>
-              <a:t>7</a:t>
-            </a:fld>
-            <a:endParaRPr lang="en-US" sz="2200"/>
           </a:p>
         </p:txBody>
       </p:sp>
@@ -19282,8 +19338,8 @@
         </p:nvSpPr>
         <p:spPr>
           <a:xfrm>
-            <a:off x="838199" y="2846556"/>
-            <a:ext cx="4656513" cy="3646319"/>
+            <a:off x="838199" y="2618954"/>
+            <a:ext cx="4656513" cy="4239046"/>
           </a:xfrm>
           <a:prstGeom prst="rect">
             <a:avLst/>
@@ -19622,7 +19678,7 @@
                 <a:ea typeface="Calibri" panose="020F0502020204030204" pitchFamily="34" charset="0"/>
                 <a:cs typeface="Times New Roman" panose="02020603050405020304" pitchFamily="18" charset="0"/>
               </a:rPr>
-              <a:t>sequenceNumber</a:t>
+              <a:t>publisherId</a:t>
             </a:r>
             <a:r>
               <a:rPr lang="fr-CH" sz="900" dirty="0">
@@ -19707,7 +19763,7 @@
                 <a:ea typeface="Calibri" panose="020F0502020204030204" pitchFamily="34" charset="0"/>
                 <a:cs typeface="Times New Roman" panose="02020603050405020304" pitchFamily="18" charset="0"/>
               </a:rPr>
-              <a:t>  187653</a:t>
+              <a:t>  1</a:t>
             </a:r>
           </a:p>
           <a:p>
@@ -19732,7 +19788,7 @@
                 <a:ea typeface="Calibri" panose="020F0502020204030204" pitchFamily="34" charset="0"/>
                 <a:cs typeface="Times New Roman" panose="02020603050405020304" pitchFamily="18" charset="0"/>
               </a:rPr>
-              <a:t> &lt;/</a:t>
+              <a:t>&lt;/</a:t>
             </a:r>
             <a:r>
               <a:rPr lang="fr-CH" sz="900" dirty="0" err="1">
@@ -19744,7 +19800,7 @@
                 <a:ea typeface="Calibri" panose="020F0502020204030204" pitchFamily="34" charset="0"/>
                 <a:cs typeface="Times New Roman" panose="02020603050405020304" pitchFamily="18" charset="0"/>
               </a:rPr>
-              <a:t>sequenceNumber</a:t>
+              <a:t>publisherId</a:t>
             </a:r>
             <a:r>
               <a:rPr lang="fr-CH" sz="900" dirty="0">
@@ -19774,24 +19830,57 @@
             <a:r>
               <a:rPr lang="fr-CH" sz="900" dirty="0">
                 <a:effectLst/>
+                <a:highlight>
+                  <a:srgbClr val="FFFF00"/>
+                </a:highlight>
                 <a:latin typeface="Courier New" panose="02070309020205020404" pitchFamily="49" charset="0"/>
                 <a:ea typeface="Calibri" panose="020F0502020204030204" pitchFamily="34" charset="0"/>
                 <a:cs typeface="Times New Roman" panose="02020603050405020304" pitchFamily="18" charset="0"/>
               </a:rPr>
-              <a:t> &lt;push-update </a:t>
+              <a:t> &lt;</a:t>
             </a:r>
             <a:r>
               <a:rPr lang="fr-CH" sz="900" dirty="0" err="1">
                 <a:effectLst/>
+                <a:highlight>
+                  <a:srgbClr val="FFFF00"/>
+                </a:highlight>
                 <a:latin typeface="Courier New" panose="02070309020205020404" pitchFamily="49" charset="0"/>
                 <a:ea typeface="Calibri" panose="020F0502020204030204" pitchFamily="34" charset="0"/>
                 <a:cs typeface="Times New Roman" panose="02020603050405020304" pitchFamily="18" charset="0"/>
               </a:rPr>
+              <a:t>sequenceNumber</a:t>
+            </a:r>
+            <a:r>
+              <a:rPr lang="fr-CH" sz="900" dirty="0">
+                <a:effectLst/>
+                <a:highlight>
+                  <a:srgbClr val="FFFF00"/>
+                </a:highlight>
+                <a:latin typeface="Courier New" panose="02070309020205020404" pitchFamily="49" charset="0"/>
+                <a:ea typeface="Calibri" panose="020F0502020204030204" pitchFamily="34" charset="0"/>
+                <a:cs typeface="Times New Roman" panose="02020603050405020304" pitchFamily="18" charset="0"/>
+              </a:rPr>
+              <a:t> </a:t>
+            </a:r>
+            <a:r>
+              <a:rPr lang="fr-CH" sz="900" dirty="0" err="1">
+                <a:effectLst/>
+                <a:highlight>
+                  <a:srgbClr val="FFFF00"/>
+                </a:highlight>
+                <a:latin typeface="Courier New" panose="02070309020205020404" pitchFamily="49" charset="0"/>
+                <a:ea typeface="Calibri" panose="020F0502020204030204" pitchFamily="34" charset="0"/>
+                <a:cs typeface="Times New Roman" panose="02020603050405020304" pitchFamily="18" charset="0"/>
+              </a:rPr>
               <a:t>xmlns</a:t>
             </a:r>
             <a:r>
               <a:rPr lang="fr-CH" sz="900" dirty="0">
                 <a:effectLst/>
+                <a:highlight>
+                  <a:srgbClr val="FFFF00"/>
+                </a:highlight>
                 <a:latin typeface="Courier New" panose="02070309020205020404" pitchFamily="49" charset="0"/>
                 <a:ea typeface="Calibri" panose="020F0502020204030204" pitchFamily="34" charset="0"/>
                 <a:cs typeface="Times New Roman" panose="02020603050405020304" pitchFamily="18" charset="0"/>
@@ -19801,15 +19890,21 @@
             <a:r>
               <a:rPr lang="fr-CH" sz="900" dirty="0" err="1">
                 <a:effectLst/>
+                <a:highlight>
+                  <a:srgbClr val="FFFF00"/>
+                </a:highlight>
                 <a:latin typeface="Courier New" panose="02070309020205020404" pitchFamily="49" charset="0"/>
                 <a:ea typeface="Calibri" panose="020F0502020204030204" pitchFamily="34" charset="0"/>
                 <a:cs typeface="Times New Roman" panose="02020603050405020304" pitchFamily="18" charset="0"/>
               </a:rPr>
-              <a:t>urn:ietf:params:xml:ns:yang:ietf-yang-push</a:t>
+              <a:t>urn:ietf:params:xml:ns:yang:ietf-notification-sequencing</a:t>
             </a:r>
             <a:r>
               <a:rPr lang="fr-CH" sz="900" dirty="0">
                 <a:effectLst/>
+                <a:highlight>
+                  <a:srgbClr val="FFFF00"/>
+                </a:highlight>
                 <a:latin typeface="Courier New" panose="02070309020205020404" pitchFamily="49" charset="0"/>
                 <a:ea typeface="Calibri" panose="020F0502020204030204" pitchFamily="34" charset="0"/>
                 <a:cs typeface="Times New Roman" panose="02020603050405020304" pitchFamily="18" charset="0"/>
@@ -19832,11 +19927,14 @@
             <a:r>
               <a:rPr lang="fr-CH" sz="900" dirty="0">
                 <a:effectLst/>
+                <a:highlight>
+                  <a:srgbClr val="FFFF00"/>
+                </a:highlight>
                 <a:latin typeface="Courier New" panose="02070309020205020404" pitchFamily="49" charset="0"/>
                 <a:ea typeface="Calibri" panose="020F0502020204030204" pitchFamily="34" charset="0"/>
                 <a:cs typeface="Times New Roman" panose="02020603050405020304" pitchFamily="18" charset="0"/>
               </a:rPr>
-              <a:t>   &lt;id&gt;1011&lt;/id&gt;</a:t>
+              <a:t>  187653</a:t>
             </a:r>
           </a:p>
           <a:p>
@@ -19854,11 +19952,38 @@
             <a:r>
               <a:rPr lang="fr-CH" sz="900" dirty="0">
                 <a:effectLst/>
+                <a:highlight>
+                  <a:srgbClr val="FFFF00"/>
+                </a:highlight>
                 <a:latin typeface="Courier New" panose="02070309020205020404" pitchFamily="49" charset="0"/>
                 <a:ea typeface="Calibri" panose="020F0502020204030204" pitchFamily="34" charset="0"/>
                 <a:cs typeface="Times New Roman" panose="02020603050405020304" pitchFamily="18" charset="0"/>
               </a:rPr>
-              <a:t>   &lt;datastore-contents&gt;</a:t>
+              <a:t> &lt;/</a:t>
+            </a:r>
+            <a:r>
+              <a:rPr lang="fr-CH" sz="900" dirty="0" err="1">
+                <a:effectLst/>
+                <a:highlight>
+                  <a:srgbClr val="FFFF00"/>
+                </a:highlight>
+                <a:latin typeface="Courier New" panose="02070309020205020404" pitchFamily="49" charset="0"/>
+                <a:ea typeface="Calibri" panose="020F0502020204030204" pitchFamily="34" charset="0"/>
+                <a:cs typeface="Times New Roman" panose="02020603050405020304" pitchFamily="18" charset="0"/>
+              </a:rPr>
+              <a:t>sequenceNumber</a:t>
+            </a:r>
+            <a:r>
+              <a:rPr lang="fr-CH" sz="900" dirty="0">
+                <a:effectLst/>
+                <a:highlight>
+                  <a:srgbClr val="FFFF00"/>
+                </a:highlight>
+                <a:latin typeface="Courier New" panose="02070309020205020404" pitchFamily="49" charset="0"/>
+                <a:ea typeface="Calibri" panose="020F0502020204030204" pitchFamily="34" charset="0"/>
+                <a:cs typeface="Times New Roman" panose="02020603050405020304" pitchFamily="18" charset="0"/>
+              </a:rPr>
+              <a:t>&gt;</a:t>
             </a:r>
           </a:p>
           <a:p>
@@ -19880,7 +20005,7 @@
                 <a:ea typeface="Calibri" panose="020F0502020204030204" pitchFamily="34" charset="0"/>
                 <a:cs typeface="Times New Roman" panose="02020603050405020304" pitchFamily="18" charset="0"/>
               </a:rPr>
-              <a:t>      &lt;interfaces </a:t>
+              <a:t> &lt;push-update </a:t>
             </a:r>
             <a:r>
               <a:rPr lang="fr-CH" sz="900" dirty="0" err="1">
@@ -19907,7 +20032,7 @@
                 <a:ea typeface="Calibri" panose="020F0502020204030204" pitchFamily="34" charset="0"/>
                 <a:cs typeface="Times New Roman" panose="02020603050405020304" pitchFamily="18" charset="0"/>
               </a:rPr>
-              <a:t>urn:ietf:params:xml:ns:yang:ietf-interfaces</a:t>
+              <a:t>urn:ietf:params:xml:ns:yang:ietf-yang-push</a:t>
             </a:r>
             <a:r>
               <a:rPr lang="fr-CH" sz="900" dirty="0">
@@ -19938,7 +20063,7 @@
                 <a:ea typeface="Calibri" panose="020F0502020204030204" pitchFamily="34" charset="0"/>
                 <a:cs typeface="Times New Roman" panose="02020603050405020304" pitchFamily="18" charset="0"/>
               </a:rPr>
-              <a:t>       &lt;interface&gt;</a:t>
+              <a:t>   &lt;id&gt;1011&lt;/id&gt;</a:t>
             </a:r>
           </a:p>
           <a:p>
@@ -19960,43 +20085,7 @@
                 <a:ea typeface="Calibri" panose="020F0502020204030204" pitchFamily="34" charset="0"/>
                 <a:cs typeface="Times New Roman" panose="02020603050405020304" pitchFamily="18" charset="0"/>
               </a:rPr>
-              <a:t>         &lt;</a:t>
-            </a:r>
-            <a:r>
-              <a:rPr lang="fr-CH" sz="900" dirty="0" err="1">
-                <a:effectLst/>
-                <a:latin typeface="Courier New" panose="02070309020205020404" pitchFamily="49" charset="0"/>
-                <a:ea typeface="Calibri" panose="020F0502020204030204" pitchFamily="34" charset="0"/>
-                <a:cs typeface="Times New Roman" panose="02020603050405020304" pitchFamily="18" charset="0"/>
-              </a:rPr>
-              <a:t>name</a:t>
-            </a:r>
-            <a:r>
-              <a:rPr lang="fr-CH" sz="900" dirty="0">
-                <a:effectLst/>
-                <a:latin typeface="Courier New" panose="02070309020205020404" pitchFamily="49" charset="0"/>
-                <a:ea typeface="Calibri" panose="020F0502020204030204" pitchFamily="34" charset="0"/>
-                <a:cs typeface="Times New Roman" panose="02020603050405020304" pitchFamily="18" charset="0"/>
-              </a:rPr>
-              <a:t>&gt;eth0&lt;/</a:t>
-            </a:r>
-            <a:r>
-              <a:rPr lang="fr-CH" sz="900" dirty="0" err="1">
-                <a:effectLst/>
-                <a:latin typeface="Courier New" panose="02070309020205020404" pitchFamily="49" charset="0"/>
-                <a:ea typeface="Calibri" panose="020F0502020204030204" pitchFamily="34" charset="0"/>
-                <a:cs typeface="Times New Roman" panose="02020603050405020304" pitchFamily="18" charset="0"/>
-              </a:rPr>
-              <a:t>name</a:t>
-            </a:r>
-            <a:r>
-              <a:rPr lang="fr-CH" sz="900" dirty="0">
-                <a:effectLst/>
-                <a:latin typeface="Courier New" panose="02070309020205020404" pitchFamily="49" charset="0"/>
-                <a:ea typeface="Calibri" panose="020F0502020204030204" pitchFamily="34" charset="0"/>
-                <a:cs typeface="Times New Roman" panose="02020603050405020304" pitchFamily="18" charset="0"/>
-              </a:rPr>
-              <a:t>&gt;</a:t>
+              <a:t>   &lt;datastore-contents&gt;</a:t>
             </a:r>
           </a:p>
           <a:p>
@@ -20018,7 +20107,7 @@
                 <a:ea typeface="Calibri" panose="020F0502020204030204" pitchFamily="34" charset="0"/>
                 <a:cs typeface="Times New Roman" panose="02020603050405020304" pitchFamily="18" charset="0"/>
               </a:rPr>
-              <a:t>         &lt;</a:t>
+              <a:t>      &lt;interfaces </a:t>
             </a:r>
             <a:r>
               <a:rPr lang="fr-CH" sz="900" dirty="0" err="1">
@@ -20027,7 +20116,7 @@
                 <a:ea typeface="Calibri" panose="020F0502020204030204" pitchFamily="34" charset="0"/>
                 <a:cs typeface="Times New Roman" panose="02020603050405020304" pitchFamily="18" charset="0"/>
               </a:rPr>
-              <a:t>oper-status</a:t>
+              <a:t>xmlns</a:t>
             </a:r>
             <a:r>
               <a:rPr lang="fr-CH" sz="900" dirty="0">
@@ -20036,7 +20125,7 @@
                 <a:ea typeface="Calibri" panose="020F0502020204030204" pitchFamily="34" charset="0"/>
                 <a:cs typeface="Times New Roman" panose="02020603050405020304" pitchFamily="18" charset="0"/>
               </a:rPr>
-              <a:t>&gt;up&lt;/</a:t>
+              <a:t>="</a:t>
             </a:r>
             <a:r>
               <a:rPr lang="fr-CH" sz="900" dirty="0" err="1">
@@ -20045,7 +20134,7 @@
                 <a:ea typeface="Calibri" panose="020F0502020204030204" pitchFamily="34" charset="0"/>
                 <a:cs typeface="Times New Roman" panose="02020603050405020304" pitchFamily="18" charset="0"/>
               </a:rPr>
-              <a:t>oper-status</a:t>
+              <a:t>urn:ietf:params:xml:ns:yang:ietf-interfaces</a:t>
             </a:r>
             <a:r>
               <a:rPr lang="fr-CH" sz="900" dirty="0">
@@ -20054,7 +20143,7 @@
                 <a:ea typeface="Calibri" panose="020F0502020204030204" pitchFamily="34" charset="0"/>
                 <a:cs typeface="Times New Roman" panose="02020603050405020304" pitchFamily="18" charset="0"/>
               </a:rPr>
-              <a:t>&gt;</a:t>
+              <a:t>"&gt;</a:t>
             </a:r>
           </a:p>
           <a:p>
@@ -20076,7 +20165,7 @@
                 <a:ea typeface="Calibri" panose="020F0502020204030204" pitchFamily="34" charset="0"/>
                 <a:cs typeface="Times New Roman" panose="02020603050405020304" pitchFamily="18" charset="0"/>
               </a:rPr>
-              <a:t>       &lt;/interface&gt;</a:t>
+              <a:t>       &lt;interface&gt;</a:t>
             </a:r>
           </a:p>
           <a:p>
@@ -20098,7 +20187,43 @@
                 <a:ea typeface="Calibri" panose="020F0502020204030204" pitchFamily="34" charset="0"/>
                 <a:cs typeface="Times New Roman" panose="02020603050405020304" pitchFamily="18" charset="0"/>
               </a:rPr>
-              <a:t>     &lt;/interfaces&gt;</a:t>
+              <a:t>         &lt;</a:t>
+            </a:r>
+            <a:r>
+              <a:rPr lang="fr-CH" sz="900" dirty="0" err="1">
+                <a:effectLst/>
+                <a:latin typeface="Courier New" panose="02070309020205020404" pitchFamily="49" charset="0"/>
+                <a:ea typeface="Calibri" panose="020F0502020204030204" pitchFamily="34" charset="0"/>
+                <a:cs typeface="Times New Roman" panose="02020603050405020304" pitchFamily="18" charset="0"/>
+              </a:rPr>
+              <a:t>name</a:t>
+            </a:r>
+            <a:r>
+              <a:rPr lang="fr-CH" sz="900" dirty="0">
+                <a:effectLst/>
+                <a:latin typeface="Courier New" panose="02070309020205020404" pitchFamily="49" charset="0"/>
+                <a:ea typeface="Calibri" panose="020F0502020204030204" pitchFamily="34" charset="0"/>
+                <a:cs typeface="Times New Roman" panose="02020603050405020304" pitchFamily="18" charset="0"/>
+              </a:rPr>
+              <a:t>&gt;eth0&lt;/</a:t>
+            </a:r>
+            <a:r>
+              <a:rPr lang="fr-CH" sz="900" dirty="0" err="1">
+                <a:effectLst/>
+                <a:latin typeface="Courier New" panose="02070309020205020404" pitchFamily="49" charset="0"/>
+                <a:ea typeface="Calibri" panose="020F0502020204030204" pitchFamily="34" charset="0"/>
+                <a:cs typeface="Times New Roman" panose="02020603050405020304" pitchFamily="18" charset="0"/>
+              </a:rPr>
+              <a:t>name</a:t>
+            </a:r>
+            <a:r>
+              <a:rPr lang="fr-CH" sz="900" dirty="0">
+                <a:effectLst/>
+                <a:latin typeface="Courier New" panose="02070309020205020404" pitchFamily="49" charset="0"/>
+                <a:ea typeface="Calibri" panose="020F0502020204030204" pitchFamily="34" charset="0"/>
+                <a:cs typeface="Times New Roman" panose="02020603050405020304" pitchFamily="18" charset="0"/>
+              </a:rPr>
+              <a:t>&gt;</a:t>
             </a:r>
           </a:p>
           <a:p>
@@ -20120,7 +20245,43 @@
                 <a:ea typeface="Calibri" panose="020F0502020204030204" pitchFamily="34" charset="0"/>
                 <a:cs typeface="Times New Roman" panose="02020603050405020304" pitchFamily="18" charset="0"/>
               </a:rPr>
-              <a:t>   &lt;/datastore-contents&gt;</a:t>
+              <a:t>         &lt;</a:t>
+            </a:r>
+            <a:r>
+              <a:rPr lang="fr-CH" sz="900" dirty="0" err="1">
+                <a:effectLst/>
+                <a:latin typeface="Courier New" panose="02070309020205020404" pitchFamily="49" charset="0"/>
+                <a:ea typeface="Calibri" panose="020F0502020204030204" pitchFamily="34" charset="0"/>
+                <a:cs typeface="Times New Roman" panose="02020603050405020304" pitchFamily="18" charset="0"/>
+              </a:rPr>
+              <a:t>oper-status</a:t>
+            </a:r>
+            <a:r>
+              <a:rPr lang="fr-CH" sz="900" dirty="0">
+                <a:effectLst/>
+                <a:latin typeface="Courier New" panose="02070309020205020404" pitchFamily="49" charset="0"/>
+                <a:ea typeface="Calibri" panose="020F0502020204030204" pitchFamily="34" charset="0"/>
+                <a:cs typeface="Times New Roman" panose="02020603050405020304" pitchFamily="18" charset="0"/>
+              </a:rPr>
+              <a:t>&gt;up&lt;/</a:t>
+            </a:r>
+            <a:r>
+              <a:rPr lang="fr-CH" sz="900" dirty="0" err="1">
+                <a:effectLst/>
+                <a:latin typeface="Courier New" panose="02070309020205020404" pitchFamily="49" charset="0"/>
+                <a:ea typeface="Calibri" panose="020F0502020204030204" pitchFamily="34" charset="0"/>
+                <a:cs typeface="Times New Roman" panose="02020603050405020304" pitchFamily="18" charset="0"/>
+              </a:rPr>
+              <a:t>oper-status</a:t>
+            </a:r>
+            <a:r>
+              <a:rPr lang="fr-CH" sz="900" dirty="0">
+                <a:effectLst/>
+                <a:latin typeface="Courier New" panose="02070309020205020404" pitchFamily="49" charset="0"/>
+                <a:ea typeface="Calibri" panose="020F0502020204030204" pitchFamily="34" charset="0"/>
+                <a:cs typeface="Times New Roman" panose="02020603050405020304" pitchFamily="18" charset="0"/>
+              </a:rPr>
+              <a:t>&gt;</a:t>
             </a:r>
           </a:p>
           <a:p>
@@ -20142,7 +20303,7 @@
                 <a:ea typeface="Calibri" panose="020F0502020204030204" pitchFamily="34" charset="0"/>
                 <a:cs typeface="Times New Roman" panose="02020603050405020304" pitchFamily="18" charset="0"/>
               </a:rPr>
-              <a:t> &lt;/push-update&gt;</a:t>
+              <a:t>       &lt;/interface&gt;</a:t>
             </a:r>
           </a:p>
           <a:p>
@@ -20164,6 +20325,72 @@
                 <a:ea typeface="Calibri" panose="020F0502020204030204" pitchFamily="34" charset="0"/>
                 <a:cs typeface="Times New Roman" panose="02020603050405020304" pitchFamily="18" charset="0"/>
               </a:rPr>
+              <a:t>     &lt;/interfaces&gt;</a:t>
+            </a:r>
+          </a:p>
+          <a:p>
+            <a:pPr marL="0" marR="0">
+              <a:lnSpc>
+                <a:spcPct val="107000"/>
+              </a:lnSpc>
+              <a:spcBef>
+                <a:spcPts val="0"/>
+              </a:spcBef>
+              <a:spcAft>
+                <a:spcPts val="0"/>
+              </a:spcAft>
+            </a:pPr>
+            <a:r>
+              <a:rPr lang="fr-CH" sz="900" dirty="0">
+                <a:effectLst/>
+                <a:latin typeface="Courier New" panose="02070309020205020404" pitchFamily="49" charset="0"/>
+                <a:ea typeface="Calibri" panose="020F0502020204030204" pitchFamily="34" charset="0"/>
+                <a:cs typeface="Times New Roman" panose="02020603050405020304" pitchFamily="18" charset="0"/>
+              </a:rPr>
+              <a:t>   &lt;/datastore-contents&gt;</a:t>
+            </a:r>
+          </a:p>
+          <a:p>
+            <a:pPr marL="0" marR="0">
+              <a:lnSpc>
+                <a:spcPct val="107000"/>
+              </a:lnSpc>
+              <a:spcBef>
+                <a:spcPts val="0"/>
+              </a:spcBef>
+              <a:spcAft>
+                <a:spcPts val="0"/>
+              </a:spcAft>
+            </a:pPr>
+            <a:r>
+              <a:rPr lang="fr-CH" sz="900" dirty="0">
+                <a:effectLst/>
+                <a:latin typeface="Courier New" panose="02070309020205020404" pitchFamily="49" charset="0"/>
+                <a:ea typeface="Calibri" panose="020F0502020204030204" pitchFamily="34" charset="0"/>
+                <a:cs typeface="Times New Roman" panose="02020603050405020304" pitchFamily="18" charset="0"/>
+              </a:rPr>
+              <a:t> &lt;/push-update&gt;</a:t>
+            </a:r>
+          </a:p>
+          <a:p>
+            <a:pPr marL="0" marR="0">
+              <a:lnSpc>
+                <a:spcPct val="107000"/>
+              </a:lnSpc>
+              <a:spcBef>
+                <a:spcPts val="0"/>
+              </a:spcBef>
+              <a:spcAft>
+                <a:spcPts val="0"/>
+              </a:spcAft>
+            </a:pPr>
+            <a:r>
+              <a:rPr lang="fr-CH" sz="900" dirty="0">
+                <a:effectLst/>
+                <a:latin typeface="Courier New" panose="02070309020205020404" pitchFamily="49" charset="0"/>
+                <a:ea typeface="Calibri" panose="020F0502020204030204" pitchFamily="34" charset="0"/>
+                <a:cs typeface="Times New Roman" panose="02020603050405020304" pitchFamily="18" charset="0"/>
+              </a:rPr>
               <a:t>&lt;/notification&gt;</a:t>
             </a:r>
             <a:endParaRPr lang="de-CH" sz="900" dirty="0">
@@ -20175,10 +20402,44 @@
           </a:p>
         </p:txBody>
       </p:sp>
+      <p:sp>
+        <p:nvSpPr>
+          <p:cNvPr id="7" name="Slide Number Placeholder 1">
+            <a:extLst>
+              <a:ext uri="{FF2B5EF4-FFF2-40B4-BE49-F238E27FC236}">
+                <a16:creationId xmlns:a16="http://schemas.microsoft.com/office/drawing/2014/main" id="{7735C87E-721C-4A3D-8B4A-DFBB832FF94D}"/>
+              </a:ext>
+            </a:extLst>
+          </p:cNvPr>
+          <p:cNvSpPr>
+            <a:spLocks noGrp="1"/>
+          </p:cNvSpPr>
+          <p:nvPr>
+            <p:ph type="sldNum" sz="quarter" idx="12"/>
+          </p:nvPr>
+        </p:nvSpPr>
+        <p:spPr>
+          <a:xfrm>
+            <a:off x="11587892" y="6361637"/>
+            <a:ext cx="414251" cy="365125"/>
+          </a:xfrm>
+        </p:spPr>
+        <p:txBody>
+          <a:bodyPr/>
+          <a:lstStyle/>
+          <a:p>
+            <a:fld id="{FC4AC485-25DE-431E-B345-9C0A15BB7F8A}" type="slidenum">
+              <a:rPr lang="de-CH" sz="1400" smtClean="0"/>
+              <a:t>7</a:t>
+            </a:fld>
+            <a:endParaRPr lang="de-CH" sz="1400" dirty="0"/>
+          </a:p>
+        </p:txBody>
+      </p:sp>
     </p:spTree>
     <p:extLst>
       <p:ext uri="{BB962C8B-B14F-4D97-AF65-F5344CB8AC3E}">
-        <p14:creationId xmlns:p14="http://schemas.microsoft.com/office/powerpoint/2010/main" val="187382668"/>
+        <p14:creationId xmlns:p14="http://schemas.microsoft.com/office/powerpoint/2010/main" val="1980732846"/>
       </p:ext>
     </p:extLst>
   </p:cSld>
@@ -20655,40 +20916,6 @@
       </p:sp>
       <p:sp>
         <p:nvSpPr>
-          <p:cNvPr id="16" name="Slide Number Placeholder 1">
-            <a:extLst>
-              <a:ext uri="{FF2B5EF4-FFF2-40B4-BE49-F238E27FC236}">
-                <a16:creationId xmlns:a16="http://schemas.microsoft.com/office/drawing/2014/main" id="{4D0044F8-1C12-4A59-883A-7B56B9370029}"/>
-              </a:ext>
-            </a:extLst>
-          </p:cNvPr>
-          <p:cNvSpPr>
-            <a:spLocks noGrp="1"/>
-          </p:cNvSpPr>
-          <p:nvPr>
-            <p:ph type="sldNum" sz="quarter" idx="12"/>
-          </p:nvPr>
-        </p:nvSpPr>
-        <p:spPr>
-          <a:xfrm>
-            <a:off x="11607800" y="6362700"/>
-            <a:ext cx="414338" cy="365125"/>
-          </a:xfrm>
-        </p:spPr>
-        <p:txBody>
-          <a:bodyPr/>
-          <a:lstStyle/>
-          <a:p>
-            <a:fld id="{FC4AC485-25DE-431E-B345-9C0A15BB7F8A}" type="slidenum">
-              <a:rPr lang="en-US" sz="2200" smtClean="0"/>
-              <a:t>8</a:t>
-            </a:fld>
-            <a:endParaRPr lang="en-US" sz="2200"/>
-          </a:p>
-        </p:txBody>
-      </p:sp>
-      <p:sp>
-        <p:nvSpPr>
           <p:cNvPr id="11" name="TextBox 10">
             <a:extLst>
               <a:ext uri="{FF2B5EF4-FFF2-40B4-BE49-F238E27FC236}">
@@ -21400,6 +21627,40 @@
               <a:ea typeface="Calibri" panose="020F0502020204030204" pitchFamily="34" charset="0"/>
               <a:cs typeface="Times New Roman" panose="02020603050405020304" pitchFamily="18" charset="0"/>
             </a:endParaRPr>
+          </a:p>
+        </p:txBody>
+      </p:sp>
+      <p:sp>
+        <p:nvSpPr>
+          <p:cNvPr id="7" name="Slide Number Placeholder 1">
+            <a:extLst>
+              <a:ext uri="{FF2B5EF4-FFF2-40B4-BE49-F238E27FC236}">
+                <a16:creationId xmlns:a16="http://schemas.microsoft.com/office/drawing/2014/main" id="{863F6745-4C86-49A7-9352-E2D6C1F956E1}"/>
+              </a:ext>
+            </a:extLst>
+          </p:cNvPr>
+          <p:cNvSpPr>
+            <a:spLocks noGrp="1"/>
+          </p:cNvSpPr>
+          <p:nvPr>
+            <p:ph type="sldNum" sz="quarter" idx="12"/>
+          </p:nvPr>
+        </p:nvSpPr>
+        <p:spPr>
+          <a:xfrm>
+            <a:off x="11587892" y="6361637"/>
+            <a:ext cx="414251" cy="365125"/>
+          </a:xfrm>
+        </p:spPr>
+        <p:txBody>
+          <a:bodyPr/>
+          <a:lstStyle/>
+          <a:p>
+            <a:fld id="{FC4AC485-25DE-431E-B345-9C0A15BB7F8A}" type="slidenum">
+              <a:rPr lang="de-CH" sz="1400" smtClean="0"/>
+              <a:t>8</a:t>
+            </a:fld>
+            <a:endParaRPr lang="de-CH" sz="1400" dirty="0"/>
           </a:p>
         </p:txBody>
       </p:sp>
@@ -22509,40 +22770,6 @@
           </a:p>
           <a:p>
             <a:endParaRPr lang="en-US" sz="2000" dirty="0"/>
-          </a:p>
-        </p:txBody>
-      </p:sp>
-      <p:sp>
-        <p:nvSpPr>
-          <p:cNvPr id="16" name="Slide Number Placeholder 1">
-            <a:extLst>
-              <a:ext uri="{FF2B5EF4-FFF2-40B4-BE49-F238E27FC236}">
-                <a16:creationId xmlns:a16="http://schemas.microsoft.com/office/drawing/2014/main" id="{4D0044F8-1C12-4A59-883A-7B56B9370029}"/>
-              </a:ext>
-            </a:extLst>
-          </p:cNvPr>
-          <p:cNvSpPr>
-            <a:spLocks noGrp="1"/>
-          </p:cNvSpPr>
-          <p:nvPr>
-            <p:ph type="sldNum" sz="quarter" idx="12"/>
-          </p:nvPr>
-        </p:nvSpPr>
-        <p:spPr>
-          <a:xfrm>
-            <a:off x="11607800" y="6362700"/>
-            <a:ext cx="414338" cy="365125"/>
-          </a:xfrm>
-        </p:spPr>
-        <p:txBody>
-          <a:bodyPr/>
-          <a:lstStyle/>
-          <a:p>
-            <a:fld id="{FC4AC485-25DE-431E-B345-9C0A15BB7F8A}" type="slidenum">
-              <a:rPr lang="en-US" sz="2200" smtClean="0"/>
-              <a:t>9</a:t>
-            </a:fld>
-            <a:endParaRPr lang="en-US" sz="2200"/>
           </a:p>
         </p:txBody>
       </p:sp>
@@ -23312,6 +23539,40 @@
               <a:ea typeface="Calibri" panose="020F0502020204030204" pitchFamily="34" charset="0"/>
               <a:cs typeface="Times New Roman" panose="02020603050405020304" pitchFamily="18" charset="0"/>
             </a:endParaRPr>
+          </a:p>
+        </p:txBody>
+      </p:sp>
+      <p:sp>
+        <p:nvSpPr>
+          <p:cNvPr id="11" name="Slide Number Placeholder 1">
+            <a:extLst>
+              <a:ext uri="{FF2B5EF4-FFF2-40B4-BE49-F238E27FC236}">
+                <a16:creationId xmlns:a16="http://schemas.microsoft.com/office/drawing/2014/main" id="{DD55D196-E3DC-42F9-97C5-DAF0CA1831D7}"/>
+              </a:ext>
+            </a:extLst>
+          </p:cNvPr>
+          <p:cNvSpPr>
+            <a:spLocks noGrp="1"/>
+          </p:cNvSpPr>
+          <p:nvPr>
+            <p:ph type="sldNum" sz="quarter" idx="12"/>
+          </p:nvPr>
+        </p:nvSpPr>
+        <p:spPr>
+          <a:xfrm>
+            <a:off x="11587892" y="6361637"/>
+            <a:ext cx="414251" cy="365125"/>
+          </a:xfrm>
+        </p:spPr>
+        <p:txBody>
+          <a:bodyPr/>
+          <a:lstStyle/>
+          <a:p>
+            <a:fld id="{FC4AC485-25DE-431E-B345-9C0A15BB7F8A}" type="slidenum">
+              <a:rPr lang="de-CH" sz="1400" smtClean="0"/>
+              <a:t>9</a:t>
+            </a:fld>
+            <a:endParaRPr lang="de-CH" sz="1400" dirty="0"/>
           </a:p>
         </p:txBody>
       </p:sp>

--- a/ietf116-netconf-yang-push-data-mesh-integration.pptx
+++ b/ietf116-netconf-yang-push-data-mesh-integration.pptx
@@ -1855,7 +1855,7 @@
           <a:p>
             <a:fld id="{E5E705E9-673F-4AC4-B29E-A7B26F3B8523}" type="datetimeFigureOut">
               <a:rPr lang="de-CH" smtClean="0"/>
-              <a:t>19.03.2023</a:t>
+              <a:t>20.03.2023</a:t>
             </a:fld>
             <a:endParaRPr lang="de-CH"/>
           </a:p>
@@ -2356,7 +2356,7 @@
           <a:p>
             <a:fld id="{9E9B238C-2335-4007-98C9-471C02CC43B6}" type="datetimeFigureOut">
               <a:rPr lang="de-CH" smtClean="0"/>
-              <a:t>19.03.2023</a:t>
+              <a:t>20.03.2023</a:t>
             </a:fld>
             <a:endParaRPr lang="de-CH"/>
           </a:p>
@@ -2556,7 +2556,7 @@
           <a:p>
             <a:fld id="{9E9B238C-2335-4007-98C9-471C02CC43B6}" type="datetimeFigureOut">
               <a:rPr lang="de-CH" smtClean="0"/>
-              <a:t>19.03.2023</a:t>
+              <a:t>20.03.2023</a:t>
             </a:fld>
             <a:endParaRPr lang="de-CH"/>
           </a:p>
@@ -2766,7 +2766,7 @@
           <a:p>
             <a:fld id="{9E9B238C-2335-4007-98C9-471C02CC43B6}" type="datetimeFigureOut">
               <a:rPr lang="de-CH" smtClean="0"/>
-              <a:t>19.03.2023</a:t>
+              <a:t>20.03.2023</a:t>
             </a:fld>
             <a:endParaRPr lang="de-CH"/>
           </a:p>
@@ -3195,7 +3195,7 @@
           <a:p>
             <a:fld id="{9E9B238C-2335-4007-98C9-471C02CC43B6}" type="datetimeFigureOut">
               <a:rPr lang="de-CH" smtClean="0"/>
-              <a:t>19.03.2023</a:t>
+              <a:t>20.03.2023</a:t>
             </a:fld>
             <a:endParaRPr lang="de-CH"/>
           </a:p>
@@ -3471,7 +3471,7 @@
           <a:p>
             <a:fld id="{9E9B238C-2335-4007-98C9-471C02CC43B6}" type="datetimeFigureOut">
               <a:rPr lang="de-CH" smtClean="0"/>
-              <a:t>19.03.2023</a:t>
+              <a:t>20.03.2023</a:t>
             </a:fld>
             <a:endParaRPr lang="de-CH"/>
           </a:p>
@@ -3739,7 +3739,7 @@
           <a:p>
             <a:fld id="{9E9B238C-2335-4007-98C9-471C02CC43B6}" type="datetimeFigureOut">
               <a:rPr lang="de-CH" smtClean="0"/>
-              <a:t>19.03.2023</a:t>
+              <a:t>20.03.2023</a:t>
             </a:fld>
             <a:endParaRPr lang="de-CH"/>
           </a:p>
@@ -4154,7 +4154,7 @@
           <a:p>
             <a:fld id="{9E9B238C-2335-4007-98C9-471C02CC43B6}" type="datetimeFigureOut">
               <a:rPr lang="de-CH" smtClean="0"/>
-              <a:t>19.03.2023</a:t>
+              <a:t>20.03.2023</a:t>
             </a:fld>
             <a:endParaRPr lang="de-CH"/>
           </a:p>
@@ -4296,7 +4296,7 @@
           <a:p>
             <a:fld id="{9E9B238C-2335-4007-98C9-471C02CC43B6}" type="datetimeFigureOut">
               <a:rPr lang="de-CH" smtClean="0"/>
-              <a:t>19.03.2023</a:t>
+              <a:t>20.03.2023</a:t>
             </a:fld>
             <a:endParaRPr lang="de-CH"/>
           </a:p>
@@ -4409,7 +4409,7 @@
           <a:p>
             <a:fld id="{9E9B238C-2335-4007-98C9-471C02CC43B6}" type="datetimeFigureOut">
               <a:rPr lang="de-CH" smtClean="0"/>
-              <a:t>19.03.2023</a:t>
+              <a:t>20.03.2023</a:t>
             </a:fld>
             <a:endParaRPr lang="de-CH"/>
           </a:p>
@@ -4722,7 +4722,7 @@
           <a:p>
             <a:fld id="{9E9B238C-2335-4007-98C9-471C02CC43B6}" type="datetimeFigureOut">
               <a:rPr lang="de-CH" smtClean="0"/>
-              <a:t>19.03.2023</a:t>
+              <a:t>20.03.2023</a:t>
             </a:fld>
             <a:endParaRPr lang="de-CH"/>
           </a:p>
@@ -5011,7 +5011,7 @@
           <a:p>
             <a:fld id="{9E9B238C-2335-4007-98C9-471C02CC43B6}" type="datetimeFigureOut">
               <a:rPr lang="de-CH" smtClean="0"/>
-              <a:t>19.03.2023</a:t>
+              <a:t>20.03.2023</a:t>
             </a:fld>
             <a:endParaRPr lang="de-CH"/>
           </a:p>
@@ -5254,7 +5254,7 @@
           <a:p>
             <a:fld id="{9E9B238C-2335-4007-98C9-471C02CC43B6}" type="datetimeFigureOut">
               <a:rPr lang="de-CH" smtClean="0"/>
-              <a:t>19.03.2023</a:t>
+              <a:t>20.03.2023</a:t>
             </a:fld>
             <a:endParaRPr lang="de-CH"/>
           </a:p>
@@ -16183,7 +16183,7 @@
           <p:nvPr>
             <p:extLst>
               <p:ext uri="{D42A27DB-BD31-4B8C-83A1-F6EECF244321}">
-                <p14:modId xmlns:p14="http://schemas.microsoft.com/office/powerpoint/2010/main" val="4095072006"/>
+                <p14:modId xmlns:p14="http://schemas.microsoft.com/office/powerpoint/2010/main" val="2079265633"/>
               </p:ext>
             </p:extLst>
           </p:nvPr>
@@ -16383,7 +16383,7 @@
                     <a:p>
                       <a:r>
                         <a:rPr lang="en-US" sz="1600" noProof="0" dirty="0"/>
-                        <a:t>JSON and XML in RFC8040, CBOR in RFC9254</a:t>
+                        <a:t>XML in RFC7950, JSON in RFC7951, CBOR in RFC9254</a:t>
                       </a:r>
                     </a:p>
                   </a:txBody>
@@ -17940,7 +17940,7 @@
                   <a:srgbClr val="FF0000"/>
                 </a:solidFill>
               </a:rPr>
-              <a:t>-netconf-</a:t>
+              <a:t>-</a:t>
             </a:r>
             <a:r>
               <a:rPr lang="en-US" sz="1800" b="1" dirty="0" err="1">
@@ -17948,7 +17948,7 @@
                   <a:srgbClr val="FF0000"/>
                 </a:solidFill>
               </a:rPr>
-              <a:t>notif</a:t>
+              <a:t>netconf</a:t>
             </a:r>
             <a:r>
               <a:rPr lang="en-US" sz="1800" b="1" dirty="0">
@@ -17956,16 +17956,151 @@
                   <a:srgbClr val="FF0000"/>
                 </a:solidFill>
               </a:rPr>
+              <a:t>-</a:t>
+            </a:r>
+            <a:r>
+              <a:rPr lang="en-US" sz="1800" b="1" dirty="0" err="1">
+                <a:solidFill>
+                  <a:srgbClr val="FF0000"/>
+                </a:solidFill>
+              </a:rPr>
+              <a:t>notif</a:t>
+            </a:r>
+            <a:r>
+              <a:rPr lang="en-US" sz="1800" b="1" dirty="0">
+                <a:solidFill>
+                  <a:srgbClr val="FF0000"/>
+                </a:solidFill>
+              </a:rPr>
               <a:t>-yang</a:t>
             </a:r>
             <a:r>
               <a:rPr lang="en-US" sz="1800" dirty="0"/>
-              <a:t> the schema is also defined as a YANG module. </a:t>
+              <a:t> updates RFC 5277 by defining the schema as a YANG module. </a:t>
+            </a:r>
+          </a:p>
+          <a:p>
+            <a:r>
+              <a:rPr lang="de-CH" sz="1800" b="1" dirty="0">
+                <a:effectLst/>
+                <a:latin typeface="Calibri" panose="020F0502020204030204" pitchFamily="34" charset="0"/>
+                <a:ea typeface="Times New Roman" panose="02020603050405020304" pitchFamily="18" charset="0"/>
+              </a:rPr>
+              <a:t>This </a:t>
+            </a:r>
+            <a:r>
+              <a:rPr lang="de-CH" sz="1800" b="1" dirty="0" err="1">
+                <a:effectLst/>
+                <a:latin typeface="Calibri" panose="020F0502020204030204" pitchFamily="34" charset="0"/>
+                <a:ea typeface="Times New Roman" panose="02020603050405020304" pitchFamily="18" charset="0"/>
+              </a:rPr>
+              <a:t>enables</a:t>
+            </a:r>
+            <a:r>
+              <a:rPr lang="de-CH" sz="1800" b="1" dirty="0">
+                <a:effectLst/>
+                <a:latin typeface="Calibri" panose="020F0502020204030204" pitchFamily="34" charset="0"/>
+                <a:ea typeface="Times New Roman" panose="02020603050405020304" pitchFamily="18" charset="0"/>
+              </a:rPr>
+              <a:t> YANG-push </a:t>
             </a:r>
             <a:r>
               <a:rPr lang="en-US" sz="1800" b="1" dirty="0"/>
-              <a:t>Enabling now to define semantics for the entire YANG push message.</a:t>
-            </a:r>
+              <a:t>to define semantics for the entire YANG push message</a:t>
+            </a:r>
+            <a:r>
+              <a:rPr lang="de-CH" sz="1800" b="1" dirty="0"/>
+              <a:t> and </a:t>
+            </a:r>
+            <a:r>
+              <a:rPr lang="de-CH" sz="1800" b="1" dirty="0">
+                <a:effectLst/>
+                <a:latin typeface="Calibri" panose="020F0502020204030204" pitchFamily="34" charset="0"/>
+                <a:ea typeface="Times New Roman" panose="02020603050405020304" pitchFamily="18" charset="0"/>
+              </a:rPr>
+              <a:t>use </a:t>
+            </a:r>
+            <a:r>
+              <a:rPr lang="de-CH" sz="1800" b="1" dirty="0" err="1">
+                <a:effectLst/>
+                <a:latin typeface="Calibri" panose="020F0502020204030204" pitchFamily="34" charset="0"/>
+                <a:ea typeface="Times New Roman" panose="02020603050405020304" pitchFamily="18" charset="0"/>
+              </a:rPr>
+              <a:t>other</a:t>
+            </a:r>
+            <a:r>
+              <a:rPr lang="de-CH" sz="1800" b="1" dirty="0">
+                <a:effectLst/>
+                <a:latin typeface="Calibri" panose="020F0502020204030204" pitchFamily="34" charset="0"/>
+                <a:ea typeface="Times New Roman" panose="02020603050405020304" pitchFamily="18" charset="0"/>
+              </a:rPr>
+              <a:t> </a:t>
+            </a:r>
+            <a:r>
+              <a:rPr lang="de-CH" sz="1800" b="1" dirty="0" err="1">
+                <a:effectLst/>
+                <a:latin typeface="Calibri" panose="020F0502020204030204" pitchFamily="34" charset="0"/>
+                <a:ea typeface="Times New Roman" panose="02020603050405020304" pitchFamily="18" charset="0"/>
+              </a:rPr>
+              <a:t>encodings</a:t>
+            </a:r>
+            <a:r>
+              <a:rPr lang="de-CH" sz="1800" b="1" dirty="0">
+                <a:effectLst/>
+                <a:latin typeface="Calibri" panose="020F0502020204030204" pitchFamily="34" charset="0"/>
+                <a:ea typeface="Times New Roman" panose="02020603050405020304" pitchFamily="18" charset="0"/>
+              </a:rPr>
+              <a:t> </a:t>
+            </a:r>
+            <a:r>
+              <a:rPr lang="de-CH" sz="1800" dirty="0" err="1">
+                <a:effectLst/>
+                <a:latin typeface="Calibri" panose="020F0502020204030204" pitchFamily="34" charset="0"/>
+                <a:ea typeface="Times New Roman" panose="02020603050405020304" pitchFamily="18" charset="0"/>
+              </a:rPr>
+              <a:t>than</a:t>
+            </a:r>
+            <a:r>
+              <a:rPr lang="de-CH" sz="1800" dirty="0">
+                <a:effectLst/>
+                <a:latin typeface="Calibri" panose="020F0502020204030204" pitchFamily="34" charset="0"/>
+                <a:ea typeface="Times New Roman" panose="02020603050405020304" pitchFamily="18" charset="0"/>
+              </a:rPr>
+              <a:t> XML such </a:t>
+            </a:r>
+            <a:r>
+              <a:rPr lang="de-CH" sz="1800" dirty="0" err="1">
+                <a:effectLst/>
+                <a:latin typeface="Calibri" panose="020F0502020204030204" pitchFamily="34" charset="0"/>
+                <a:ea typeface="Times New Roman" panose="02020603050405020304" pitchFamily="18" charset="0"/>
+              </a:rPr>
+              <a:t>as</a:t>
+            </a:r>
+            <a:r>
+              <a:rPr lang="de-CH" sz="1800" dirty="0">
+                <a:effectLst/>
+                <a:latin typeface="Calibri" panose="020F0502020204030204" pitchFamily="34" charset="0"/>
+                <a:ea typeface="Times New Roman" panose="02020603050405020304" pitchFamily="18" charset="0"/>
+              </a:rPr>
+              <a:t> YANG-JSON RFC 7951 </a:t>
+            </a:r>
+            <a:r>
+              <a:rPr lang="de-CH" sz="1800" dirty="0" err="1">
+                <a:effectLst/>
+                <a:latin typeface="Calibri" panose="020F0502020204030204" pitchFamily="34" charset="0"/>
+                <a:ea typeface="Times New Roman" panose="02020603050405020304" pitchFamily="18" charset="0"/>
+              </a:rPr>
+              <a:t>or</a:t>
+            </a:r>
+            <a:r>
+              <a:rPr lang="de-CH" sz="1800" dirty="0">
+                <a:effectLst/>
+                <a:latin typeface="Calibri" panose="020F0502020204030204" pitchFamily="34" charset="0"/>
+                <a:ea typeface="Times New Roman" panose="02020603050405020304" pitchFamily="18" charset="0"/>
+              </a:rPr>
+              <a:t> YANG-CBOR RFC 9264.</a:t>
+            </a:r>
+            <a:endParaRPr lang="en-US" sz="1800" b="1" dirty="0"/>
           </a:p>
         </p:txBody>
       </p:sp>

--- a/ietf116-netconf-yang-push-data-mesh-integration.pptx
+++ b/ietf116-netconf-yang-push-data-mesh-integration.pptx
@@ -131,16 +131,32 @@
 </p:presentation>
 </file>
 
-<file path=ppt/revisionInfo.xml><?xml version="1.0" encoding="utf-8"?>
-<p1510:revInfo xmlns:a="http://schemas.openxmlformats.org/drawingml/2006/main" xmlns:r="http://schemas.openxmlformats.org/officeDocument/2006/relationships" xmlns:p1510="http://schemas.microsoft.com/office/powerpoint/2015/10/main">
-  <p1510:revLst>
-    <p1510:client id="{09A627D1-69A9-49B0-BB16-E2155A816E4A}" v="50" dt="2022-11-05T20:43:33.022"/>
-  </p1510:revLst>
-</p1510:revInfo>
-</file>
-
 <file path=ppt/changesInfos/changesInfo1.xml><?xml version="1.0" encoding="utf-8"?>
 <pc:chgInfo xmlns:a="http://schemas.openxmlformats.org/drawingml/2006/main" xmlns:r="http://schemas.openxmlformats.org/officeDocument/2006/relationships" xmlns:ac="http://schemas.microsoft.com/office/drawing/2013/main/command" xmlns:pc="http://schemas.microsoft.com/office/powerpoint/2013/main/command">
+  <pc:docChgLst>
+    <pc:chgData name="Graf Thomas, INI-NET-VNC-HCS" userId="487bc3e3-9ce7-4cdd-b7b4-8899ea88d289" providerId="ADAL" clId="{058E104F-C47F-4C11-B22E-04B2D772F882}"/>
+    <pc:docChg chg="modSld">
+      <pc:chgData name="Graf Thomas, INI-NET-VNC-HCS" userId="487bc3e3-9ce7-4cdd-b7b4-8899ea88d289" providerId="ADAL" clId="{058E104F-C47F-4C11-B22E-04B2D772F882}" dt="2023-03-21T13:29:42.066" v="0" actId="20577"/>
+      <pc:docMkLst>
+        <pc:docMk/>
+      </pc:docMkLst>
+      <pc:sldChg chg="modSp mod">
+        <pc:chgData name="Graf Thomas, INI-NET-VNC-HCS" userId="487bc3e3-9ce7-4cdd-b7b4-8899ea88d289" providerId="ADAL" clId="{058E104F-C47F-4C11-B22E-04B2D772F882}" dt="2023-03-21T13:29:42.066" v="0" actId="20577"/>
+        <pc:sldMkLst>
+          <pc:docMk/>
+          <pc:sldMk cId="3241116723" sldId="2145706200"/>
+        </pc:sldMkLst>
+        <pc:spChg chg="mod">
+          <ac:chgData name="Graf Thomas, INI-NET-VNC-HCS" userId="487bc3e3-9ce7-4cdd-b7b4-8899ea88d289" providerId="ADAL" clId="{058E104F-C47F-4C11-B22E-04B2D772F882}" dt="2023-03-21T13:29:42.066" v="0" actId="20577"/>
+          <ac:spMkLst>
+            <pc:docMk/>
+            <pc:sldMk cId="3241116723" sldId="2145706200"/>
+            <ac:spMk id="4" creationId="{D81DEC37-A600-4F6C-AE22-C81D97BEC259}"/>
+          </ac:spMkLst>
+        </pc:spChg>
+      </pc:sldChg>
+    </pc:docChg>
+  </pc:docChgLst>
   <pc:docChgLst>
     <pc:chgData name="Graf Thomas, INI-NET-TCZ-ZH1" userId="487bc3e3-9ce7-4cdd-b7b4-8899ea88d289" providerId="ADAL" clId="{09A627D1-69A9-49B0-BB16-E2155A816E4A}"/>
     <pc:docChg chg="undo redo custSel addSld delSld modSld sldOrd">
@@ -1855,7 +1871,7 @@
           <a:p>
             <a:fld id="{E5E705E9-673F-4AC4-B29E-A7B26F3B8523}" type="datetimeFigureOut">
               <a:rPr lang="de-CH" smtClean="0"/>
-              <a:t>20.03.2023</a:t>
+              <a:t>21.03.2023</a:t>
             </a:fld>
             <a:endParaRPr lang="de-CH"/>
           </a:p>
@@ -2356,7 +2372,7 @@
           <a:p>
             <a:fld id="{9E9B238C-2335-4007-98C9-471C02CC43B6}" type="datetimeFigureOut">
               <a:rPr lang="de-CH" smtClean="0"/>
-              <a:t>20.03.2023</a:t>
+              <a:t>21.03.2023</a:t>
             </a:fld>
             <a:endParaRPr lang="de-CH"/>
           </a:p>
@@ -2556,7 +2572,7 @@
           <a:p>
             <a:fld id="{9E9B238C-2335-4007-98C9-471C02CC43B6}" type="datetimeFigureOut">
               <a:rPr lang="de-CH" smtClean="0"/>
-              <a:t>20.03.2023</a:t>
+              <a:t>21.03.2023</a:t>
             </a:fld>
             <a:endParaRPr lang="de-CH"/>
           </a:p>
@@ -2766,7 +2782,7 @@
           <a:p>
             <a:fld id="{9E9B238C-2335-4007-98C9-471C02CC43B6}" type="datetimeFigureOut">
               <a:rPr lang="de-CH" smtClean="0"/>
-              <a:t>20.03.2023</a:t>
+              <a:t>21.03.2023</a:t>
             </a:fld>
             <a:endParaRPr lang="de-CH"/>
           </a:p>
@@ -3195,7 +3211,7 @@
           <a:p>
             <a:fld id="{9E9B238C-2335-4007-98C9-471C02CC43B6}" type="datetimeFigureOut">
               <a:rPr lang="de-CH" smtClean="0"/>
-              <a:t>20.03.2023</a:t>
+              <a:t>21.03.2023</a:t>
             </a:fld>
             <a:endParaRPr lang="de-CH"/>
           </a:p>
@@ -3471,7 +3487,7 @@
           <a:p>
             <a:fld id="{9E9B238C-2335-4007-98C9-471C02CC43B6}" type="datetimeFigureOut">
               <a:rPr lang="de-CH" smtClean="0"/>
-              <a:t>20.03.2023</a:t>
+              <a:t>21.03.2023</a:t>
             </a:fld>
             <a:endParaRPr lang="de-CH"/>
           </a:p>
@@ -3739,7 +3755,7 @@
           <a:p>
             <a:fld id="{9E9B238C-2335-4007-98C9-471C02CC43B6}" type="datetimeFigureOut">
               <a:rPr lang="de-CH" smtClean="0"/>
-              <a:t>20.03.2023</a:t>
+              <a:t>21.03.2023</a:t>
             </a:fld>
             <a:endParaRPr lang="de-CH"/>
           </a:p>
@@ -4154,7 +4170,7 @@
           <a:p>
             <a:fld id="{9E9B238C-2335-4007-98C9-471C02CC43B6}" type="datetimeFigureOut">
               <a:rPr lang="de-CH" smtClean="0"/>
-              <a:t>20.03.2023</a:t>
+              <a:t>21.03.2023</a:t>
             </a:fld>
             <a:endParaRPr lang="de-CH"/>
           </a:p>
@@ -4296,7 +4312,7 @@
           <a:p>
             <a:fld id="{9E9B238C-2335-4007-98C9-471C02CC43B6}" type="datetimeFigureOut">
               <a:rPr lang="de-CH" smtClean="0"/>
-              <a:t>20.03.2023</a:t>
+              <a:t>21.03.2023</a:t>
             </a:fld>
             <a:endParaRPr lang="de-CH"/>
           </a:p>
@@ -4409,7 +4425,7 @@
           <a:p>
             <a:fld id="{9E9B238C-2335-4007-98C9-471C02CC43B6}" type="datetimeFigureOut">
               <a:rPr lang="de-CH" smtClean="0"/>
-              <a:t>20.03.2023</a:t>
+              <a:t>21.03.2023</a:t>
             </a:fld>
             <a:endParaRPr lang="de-CH"/>
           </a:p>
@@ -4722,7 +4738,7 @@
           <a:p>
             <a:fld id="{9E9B238C-2335-4007-98C9-471C02CC43B6}" type="datetimeFigureOut">
               <a:rPr lang="de-CH" smtClean="0"/>
-              <a:t>20.03.2023</a:t>
+              <a:t>21.03.2023</a:t>
             </a:fld>
             <a:endParaRPr lang="de-CH"/>
           </a:p>
@@ -5011,7 +5027,7 @@
           <a:p>
             <a:fld id="{9E9B238C-2335-4007-98C9-471C02CC43B6}" type="datetimeFigureOut">
               <a:rPr lang="de-CH" smtClean="0"/>
-              <a:t>20.03.2023</a:t>
+              <a:t>21.03.2023</a:t>
             </a:fld>
             <a:endParaRPr lang="de-CH"/>
           </a:p>
@@ -5254,7 +5270,7 @@
           <a:p>
             <a:fld id="{9E9B238C-2335-4007-98C9-471C02CC43B6}" type="datetimeFigureOut">
               <a:rPr lang="de-CH" smtClean="0"/>
-              <a:t>20.03.2023</a:t>
+              <a:t>21.03.2023</a:t>
             </a:fld>
             <a:endParaRPr lang="de-CH"/>
           </a:p>
@@ -13967,11 +13983,19 @@
             </a:pPr>
             <a:r>
               <a:rPr lang="en-US" sz="1800" b="1" dirty="0"/>
-              <a:t>A single link down </a:t>
+              <a:t>A single link </a:t>
+            </a:r>
+            <a:r>
+              <a:rPr lang="en-US" sz="1800" b="1"/>
+              <a:t>down </a:t>
+            </a:r>
+            <a:r>
+              <a:rPr lang="en-US" sz="1800"/>
+              <a:t>results </a:t>
             </a:r>
             <a:r>
               <a:rPr lang="en-US" sz="1800" dirty="0"/>
-              <a:t>result in multiple device topology, control-plane and forwarding-plane events being exposed at different times.</a:t>
+              <a:t>in multiple device topology, control-plane and forwarding-plane events being exposed at different times.</a:t>
             </a:r>
           </a:p>
           <a:p>
